--- a/Day_1/Lectures/Slides/Day_1_Lecture_LifeCyclesIntro.pptx
+++ b/Day_1/Lectures/Slides/Day_1_Lecture_LifeCyclesIntro.pptx
@@ -5,40 +5,34 @@
     <p:sldMasterId id="2147483648" r:id="rId1"/>
   </p:sldMasterIdLst>
   <p:notesMasterIdLst>
-    <p:notesMasterId r:id="rId33"/>
+    <p:notesMasterId r:id="rId27"/>
   </p:notesMasterIdLst>
   <p:sldIdLst>
     <p:sldId id="256" r:id="rId2"/>
     <p:sldId id="257" r:id="rId3"/>
-    <p:sldId id="262" r:id="rId4"/>
-    <p:sldId id="258" r:id="rId5"/>
-    <p:sldId id="263" r:id="rId6"/>
-    <p:sldId id="264" r:id="rId7"/>
-    <p:sldId id="259" r:id="rId8"/>
-    <p:sldId id="260" r:id="rId9"/>
-    <p:sldId id="266" r:id="rId10"/>
-    <p:sldId id="261" r:id="rId11"/>
-    <p:sldId id="265" r:id="rId12"/>
-    <p:sldId id="268" r:id="rId13"/>
-    <p:sldId id="267" r:id="rId14"/>
-    <p:sldId id="269" r:id="rId15"/>
-    <p:sldId id="270" r:id="rId16"/>
-    <p:sldId id="275" r:id="rId17"/>
-    <p:sldId id="276" r:id="rId18"/>
-    <p:sldId id="271" r:id="rId19"/>
-    <p:sldId id="277" r:id="rId20"/>
-    <p:sldId id="278" r:id="rId21"/>
-    <p:sldId id="279" r:id="rId22"/>
-    <p:sldId id="272" r:id="rId23"/>
-    <p:sldId id="274" r:id="rId24"/>
-    <p:sldId id="273" r:id="rId25"/>
-    <p:sldId id="280" r:id="rId26"/>
-    <p:sldId id="281" r:id="rId27"/>
-    <p:sldId id="282" r:id="rId28"/>
-    <p:sldId id="283" r:id="rId29"/>
-    <p:sldId id="286" r:id="rId30"/>
-    <p:sldId id="285" r:id="rId31"/>
-    <p:sldId id="287" r:id="rId32"/>
+    <p:sldId id="258" r:id="rId4"/>
+    <p:sldId id="263" r:id="rId5"/>
+    <p:sldId id="264" r:id="rId6"/>
+    <p:sldId id="259" r:id="rId7"/>
+    <p:sldId id="260" r:id="rId8"/>
+    <p:sldId id="261" r:id="rId9"/>
+    <p:sldId id="265" r:id="rId10"/>
+    <p:sldId id="268" r:id="rId11"/>
+    <p:sldId id="267" r:id="rId12"/>
+    <p:sldId id="269" r:id="rId13"/>
+    <p:sldId id="270" r:id="rId14"/>
+    <p:sldId id="275" r:id="rId15"/>
+    <p:sldId id="276" r:id="rId16"/>
+    <p:sldId id="271" r:id="rId17"/>
+    <p:sldId id="277" r:id="rId18"/>
+    <p:sldId id="278" r:id="rId19"/>
+    <p:sldId id="279" r:id="rId20"/>
+    <p:sldId id="272" r:id="rId21"/>
+    <p:sldId id="274" r:id="rId22"/>
+    <p:sldId id="273" r:id="rId23"/>
+    <p:sldId id="280" r:id="rId24"/>
+    <p:sldId id="282" r:id="rId25"/>
+    <p:sldId id="281" r:id="rId26"/>
   </p:sldIdLst>
   <p:sldSz cx="9144000" cy="6858000" type="screen4x3"/>
   <p:notesSz cx="6858000" cy="9144000"/>
@@ -222,7 +216,7 @@
           <a:p>
             <a:fld id="{9A0E6E77-3283-344D-9AC2-FD5DD182305F}" type="datetimeFigureOut">
               <a:rPr lang="en-US" smtClean="0"/>
-              <a:t>1/17/15</a:t>
+              <a:t>1/18/15</a:t>
             </a:fld>
             <a:endParaRPr lang="en-US"/>
           </a:p>
@@ -534,6 +528,211 @@
           <a:bodyPr/>
           <a:lstStyle/>
           <a:p>
+            <a:r>
+              <a:rPr lang="en-US" dirty="0" smtClean="0"/>
+              <a:t>Content, context and structure – pull</a:t>
+            </a:r>
+            <a:r>
+              <a:rPr lang="en-US" baseline="0" dirty="0" smtClean="0"/>
+              <a:t> that forward as a framing</a:t>
+            </a:r>
+          </a:p>
+          <a:p>
+            <a:endParaRPr lang="en-US" baseline="0" dirty="0" smtClean="0"/>
+          </a:p>
+          <a:p>
+            <a:r>
+              <a:rPr lang="en-US" baseline="0" dirty="0" smtClean="0"/>
+              <a:t>Foreshadow the ecological metaphor</a:t>
+            </a:r>
+          </a:p>
+        </p:txBody>
+      </p:sp>
+      <p:sp>
+        <p:nvSpPr>
+          <p:cNvPr id="4" name="Slide Number Placeholder 3"/>
+          <p:cNvSpPr>
+            <a:spLocks noGrp="1"/>
+          </p:cNvSpPr>
+          <p:nvPr>
+            <p:ph type="sldNum" sz="quarter" idx="10"/>
+          </p:nvPr>
+        </p:nvSpPr>
+        <p:spPr/>
+        <p:txBody>
+          <a:bodyPr/>
+          <a:lstStyle/>
+          <a:p>
+            <a:fld id="{036A4C59-9997-D64D-B418-4F4AB05D75FD}" type="slidenum">
+              <a:rPr lang="en-US" smtClean="0"/>
+              <a:t>2</a:t>
+            </a:fld>
+            <a:endParaRPr lang="en-US"/>
+          </a:p>
+        </p:txBody>
+      </p:sp>
+    </p:spTree>
+    <p:extLst>
+      <p:ext uri="{BB962C8B-B14F-4D97-AF65-F5344CB8AC3E}">
+        <p14:creationId xmlns:p14="http://schemas.microsoft.com/office/powerpoint/2010/main" val="2547542338"/>
+      </p:ext>
+    </p:extLst>
+  </p:cSld>
+  <p:clrMapOvr>
+    <a:masterClrMapping/>
+  </p:clrMapOvr>
+</p:notes>
+</file>
+
+<file path=ppt/notesSlides/notesSlide10.xml><?xml version="1.0" encoding="utf-8"?>
+<p:notes xmlns:a="http://schemas.openxmlformats.org/drawingml/2006/main" xmlns:r="http://schemas.openxmlformats.org/officeDocument/2006/relationships" xmlns:p="http://schemas.openxmlformats.org/presentationml/2006/main">
+  <p:cSld>
+    <p:spTree>
+      <p:nvGrpSpPr>
+        <p:cNvPr id="1" name=""/>
+        <p:cNvGrpSpPr/>
+        <p:nvPr/>
+      </p:nvGrpSpPr>
+      <p:grpSpPr>
+        <a:xfrm>
+          <a:off x="0" y="0"/>
+          <a:ext cx="0" cy="0"/>
+          <a:chOff x="0" y="0"/>
+          <a:chExt cx="0" cy="0"/>
+        </a:xfrm>
+      </p:grpSpPr>
+      <p:sp>
+        <p:nvSpPr>
+          <p:cNvPr id="2" name="Slide Image Placeholder 1"/>
+          <p:cNvSpPr>
+            <a:spLocks noGrp="1" noRot="1" noChangeAspect="1"/>
+          </p:cNvSpPr>
+          <p:nvPr>
+            <p:ph type="sldImg"/>
+          </p:nvPr>
+        </p:nvSpPr>
+        <p:spPr/>
+      </p:sp>
+      <p:sp>
+        <p:nvSpPr>
+          <p:cNvPr id="3" name="Notes Placeholder 2"/>
+          <p:cNvSpPr>
+            <a:spLocks noGrp="1"/>
+          </p:cNvSpPr>
+          <p:nvPr>
+            <p:ph type="body" idx="1"/>
+          </p:nvPr>
+        </p:nvSpPr>
+        <p:spPr/>
+        <p:txBody>
+          <a:bodyPr/>
+          <a:lstStyle/>
+          <a:p>
+            <a:r>
+              <a:rPr lang="en-US" dirty="0" smtClean="0"/>
+              <a:t>In your packet – there’s a citation</a:t>
+            </a:r>
+            <a:r>
+              <a:rPr lang="en-US" baseline="0" dirty="0" smtClean="0"/>
+              <a:t> to this plus their web resources</a:t>
+            </a:r>
+          </a:p>
+          <a:p>
+            <a:endParaRPr lang="en-US" baseline="0" dirty="0" smtClean="0"/>
+          </a:p>
+          <a:p>
+            <a:r>
+              <a:rPr lang="en-US" baseline="0" dirty="0" smtClean="0"/>
+              <a:t>How and why Data One </a:t>
+            </a:r>
+            <a:r>
+              <a:rPr lang="en-US" baseline="0" smtClean="0"/>
+              <a:t>simplified this</a:t>
+            </a:r>
+            <a:endParaRPr lang="en-US" dirty="0"/>
+          </a:p>
+        </p:txBody>
+      </p:sp>
+      <p:sp>
+        <p:nvSpPr>
+          <p:cNvPr id="4" name="Slide Number Placeholder 3"/>
+          <p:cNvSpPr>
+            <a:spLocks noGrp="1"/>
+          </p:cNvSpPr>
+          <p:nvPr>
+            <p:ph type="sldNum" sz="quarter" idx="10"/>
+          </p:nvPr>
+        </p:nvSpPr>
+        <p:spPr/>
+        <p:txBody>
+          <a:bodyPr/>
+          <a:lstStyle/>
+          <a:p>
+            <a:fld id="{036A4C59-9997-D64D-B418-4F4AB05D75FD}" type="slidenum">
+              <a:rPr lang="en-US" smtClean="0"/>
+              <a:t>25</a:t>
+            </a:fld>
+            <a:endParaRPr lang="en-US"/>
+          </a:p>
+        </p:txBody>
+      </p:sp>
+    </p:spTree>
+    <p:extLst>
+      <p:ext uri="{BB962C8B-B14F-4D97-AF65-F5344CB8AC3E}">
+        <p14:creationId xmlns:p14="http://schemas.microsoft.com/office/powerpoint/2010/main" val="2387262553"/>
+      </p:ext>
+    </p:extLst>
+  </p:cSld>
+  <p:clrMapOvr>
+    <a:masterClrMapping/>
+  </p:clrMapOvr>
+</p:notes>
+</file>
+
+<file path=ppt/notesSlides/notesSlide2.xml><?xml version="1.0" encoding="utf-8"?>
+<p:notes xmlns:a="http://schemas.openxmlformats.org/drawingml/2006/main" xmlns:r="http://schemas.openxmlformats.org/officeDocument/2006/relationships" xmlns:p="http://schemas.openxmlformats.org/presentationml/2006/main">
+  <p:cSld>
+    <p:spTree>
+      <p:nvGrpSpPr>
+        <p:cNvPr id="1" name=""/>
+        <p:cNvGrpSpPr/>
+        <p:nvPr/>
+      </p:nvGrpSpPr>
+      <p:grpSpPr>
+        <a:xfrm>
+          <a:off x="0" y="0"/>
+          <a:ext cx="0" cy="0"/>
+          <a:chOff x="0" y="0"/>
+          <a:chExt cx="0" cy="0"/>
+        </a:xfrm>
+      </p:grpSpPr>
+      <p:sp>
+        <p:nvSpPr>
+          <p:cNvPr id="2" name="Slide Image Placeholder 1"/>
+          <p:cNvSpPr>
+            <a:spLocks noGrp="1" noRot="1" noChangeAspect="1"/>
+          </p:cNvSpPr>
+          <p:nvPr>
+            <p:ph type="sldImg"/>
+          </p:nvPr>
+        </p:nvSpPr>
+        <p:spPr/>
+      </p:sp>
+      <p:sp>
+        <p:nvSpPr>
+          <p:cNvPr id="3" name="Notes Placeholder 2"/>
+          <p:cNvSpPr>
+            <a:spLocks noGrp="1"/>
+          </p:cNvSpPr>
+          <p:nvPr>
+            <p:ph type="body" idx="1"/>
+          </p:nvPr>
+        </p:nvSpPr>
+        <p:spPr/>
+        <p:txBody>
+          <a:bodyPr/>
+          <a:lstStyle/>
+          <a:p>
             <a:pPr marL="0" marR="0" indent="0" algn="l" defTabSz="457200" rtl="0" eaLnBrk="1" fontAlgn="auto" latinLnBrk="0" hangingPunct="1">
               <a:lnSpc>
                 <a:spcPct val="100000"/>
@@ -578,7 +777,7 @@
           <a:p>
             <a:fld id="{036A4C59-9997-D64D-B418-4F4AB05D75FD}" type="slidenum">
               <a:rPr lang="en-US" smtClean="0"/>
-              <a:t>4</a:t>
+              <a:t>3</a:t>
             </a:fld>
             <a:endParaRPr lang="en-US"/>
           </a:p>
@@ -588,6 +787,739 @@
     <p:extLst>
       <p:ext uri="{BB962C8B-B14F-4D97-AF65-F5344CB8AC3E}">
         <p14:creationId xmlns:p14="http://schemas.microsoft.com/office/powerpoint/2010/main" val="1792326123"/>
+      </p:ext>
+    </p:extLst>
+  </p:cSld>
+  <p:clrMapOvr>
+    <a:masterClrMapping/>
+  </p:clrMapOvr>
+</p:notes>
+</file>
+
+<file path=ppt/notesSlides/notesSlide3.xml><?xml version="1.0" encoding="utf-8"?>
+<p:notes xmlns:a="http://schemas.openxmlformats.org/drawingml/2006/main" xmlns:r="http://schemas.openxmlformats.org/officeDocument/2006/relationships" xmlns:p="http://schemas.openxmlformats.org/presentationml/2006/main">
+  <p:cSld>
+    <p:spTree>
+      <p:nvGrpSpPr>
+        <p:cNvPr id="1" name=""/>
+        <p:cNvGrpSpPr/>
+        <p:nvPr/>
+      </p:nvGrpSpPr>
+      <p:grpSpPr>
+        <a:xfrm>
+          <a:off x="0" y="0"/>
+          <a:ext cx="0" cy="0"/>
+          <a:chOff x="0" y="0"/>
+          <a:chExt cx="0" cy="0"/>
+        </a:xfrm>
+      </p:grpSpPr>
+      <p:sp>
+        <p:nvSpPr>
+          <p:cNvPr id="2" name="Slide Image Placeholder 1"/>
+          <p:cNvSpPr>
+            <a:spLocks noGrp="1" noRot="1" noChangeAspect="1"/>
+          </p:cNvSpPr>
+          <p:nvPr>
+            <p:ph type="sldImg"/>
+          </p:nvPr>
+        </p:nvSpPr>
+        <p:spPr/>
+      </p:sp>
+      <p:sp>
+        <p:nvSpPr>
+          <p:cNvPr id="3" name="Notes Placeholder 2"/>
+          <p:cNvSpPr>
+            <a:spLocks noGrp="1"/>
+          </p:cNvSpPr>
+          <p:nvPr>
+            <p:ph type="body" idx="1"/>
+          </p:nvPr>
+        </p:nvSpPr>
+        <p:spPr/>
+        <p:txBody>
+          <a:bodyPr/>
+          <a:lstStyle/>
+          <a:p>
+            <a:r>
+              <a:rPr lang="en-US" dirty="0" smtClean="0"/>
+              <a:t>Picture of a </a:t>
+            </a:r>
+            <a:r>
+              <a:rPr lang="en-US" dirty="0" err="1" smtClean="0"/>
+              <a:t>thumbdrive</a:t>
+            </a:r>
+            <a:r>
+              <a:rPr lang="en-US" baseline="0" dirty="0" smtClean="0"/>
+              <a:t> – want to avoid having to do detective work</a:t>
+            </a:r>
+          </a:p>
+          <a:p>
+            <a:r>
+              <a:rPr lang="en-US" baseline="0" dirty="0" smtClean="0"/>
+              <a:t>	- </a:t>
+            </a:r>
+            <a:r>
+              <a:rPr lang="en-US" baseline="0" dirty="0" err="1" smtClean="0"/>
+              <a:t>stan</a:t>
+            </a:r>
+            <a:r>
+              <a:rPr lang="en-US" baseline="0" dirty="0" smtClean="0"/>
+              <a:t> smith stuff</a:t>
+            </a:r>
+            <a:endParaRPr lang="en-US" dirty="0"/>
+          </a:p>
+        </p:txBody>
+      </p:sp>
+      <p:sp>
+        <p:nvSpPr>
+          <p:cNvPr id="4" name="Slide Number Placeholder 3"/>
+          <p:cNvSpPr>
+            <a:spLocks noGrp="1"/>
+          </p:cNvSpPr>
+          <p:nvPr>
+            <p:ph type="sldNum" sz="quarter" idx="10"/>
+          </p:nvPr>
+        </p:nvSpPr>
+        <p:spPr/>
+        <p:txBody>
+          <a:bodyPr/>
+          <a:lstStyle/>
+          <a:p>
+            <a:fld id="{036A4C59-9997-D64D-B418-4F4AB05D75FD}" type="slidenum">
+              <a:rPr lang="en-US" smtClean="0"/>
+              <a:t>4</a:t>
+            </a:fld>
+            <a:endParaRPr lang="en-US"/>
+          </a:p>
+        </p:txBody>
+      </p:sp>
+    </p:spTree>
+    <p:extLst>
+      <p:ext uri="{BB962C8B-B14F-4D97-AF65-F5344CB8AC3E}">
+        <p14:creationId xmlns:p14="http://schemas.microsoft.com/office/powerpoint/2010/main" val="3415892009"/>
+      </p:ext>
+    </p:extLst>
+  </p:cSld>
+  <p:clrMapOvr>
+    <a:masterClrMapping/>
+  </p:clrMapOvr>
+</p:notes>
+</file>
+
+<file path=ppt/notesSlides/notesSlide4.xml><?xml version="1.0" encoding="utf-8"?>
+<p:notes xmlns:a="http://schemas.openxmlformats.org/drawingml/2006/main" xmlns:r="http://schemas.openxmlformats.org/officeDocument/2006/relationships" xmlns:p="http://schemas.openxmlformats.org/presentationml/2006/main">
+  <p:cSld>
+    <p:spTree>
+      <p:nvGrpSpPr>
+        <p:cNvPr id="1" name=""/>
+        <p:cNvGrpSpPr/>
+        <p:nvPr/>
+      </p:nvGrpSpPr>
+      <p:grpSpPr>
+        <a:xfrm>
+          <a:off x="0" y="0"/>
+          <a:ext cx="0" cy="0"/>
+          <a:chOff x="0" y="0"/>
+          <a:chExt cx="0" cy="0"/>
+        </a:xfrm>
+      </p:grpSpPr>
+      <p:sp>
+        <p:nvSpPr>
+          <p:cNvPr id="2" name="Slide Image Placeholder 1"/>
+          <p:cNvSpPr>
+            <a:spLocks noGrp="1" noRot="1" noChangeAspect="1"/>
+          </p:cNvSpPr>
+          <p:nvPr>
+            <p:ph type="sldImg"/>
+          </p:nvPr>
+        </p:nvSpPr>
+        <p:spPr/>
+      </p:sp>
+      <p:sp>
+        <p:nvSpPr>
+          <p:cNvPr id="3" name="Notes Placeholder 2"/>
+          <p:cNvSpPr>
+            <a:spLocks noGrp="1"/>
+          </p:cNvSpPr>
+          <p:nvPr>
+            <p:ph type="body" idx="1"/>
+          </p:nvPr>
+        </p:nvSpPr>
+        <p:spPr/>
+        <p:txBody>
+          <a:bodyPr/>
+          <a:lstStyle/>
+          <a:p>
+            <a:r>
+              <a:rPr lang="en-US" dirty="0" smtClean="0"/>
+              <a:t>So</a:t>
+            </a:r>
+            <a:r>
+              <a:rPr lang="en-US" baseline="0" dirty="0" smtClean="0"/>
+              <a:t> spend some time explaining this – highlight each portion like in IDCC slides</a:t>
+            </a:r>
+          </a:p>
+          <a:p>
+            <a:endParaRPr lang="en-US" baseline="0" dirty="0" smtClean="0"/>
+          </a:p>
+          <a:p>
+            <a:r>
+              <a:rPr lang="en-US" dirty="0" smtClean="0"/>
+              <a:t>SIP: Submission information package</a:t>
+            </a:r>
+          </a:p>
+          <a:p>
+            <a:r>
+              <a:rPr lang="en-US" dirty="0" smtClean="0"/>
+              <a:t>AIP: Archival information package</a:t>
+            </a:r>
+          </a:p>
+          <a:p>
+            <a:r>
+              <a:rPr lang="en-US" dirty="0" smtClean="0"/>
+              <a:t>DIP: Dissemination information package</a:t>
+            </a:r>
+          </a:p>
+          <a:p>
+            <a:r>
+              <a:rPr lang="en-US" dirty="0" smtClean="0"/>
+              <a:t>Functional Entities: </a:t>
+            </a:r>
+          </a:p>
+          <a:p>
+            <a:pPr lvl="1"/>
+            <a:r>
+              <a:rPr lang="en-US" dirty="0" smtClean="0"/>
+              <a:t>Ingest; Archival Storage; Data management; Administration; Access</a:t>
+            </a:r>
+          </a:p>
+          <a:p>
+            <a:endParaRPr lang="en-US" dirty="0"/>
+          </a:p>
+        </p:txBody>
+      </p:sp>
+      <p:sp>
+        <p:nvSpPr>
+          <p:cNvPr id="4" name="Slide Number Placeholder 3"/>
+          <p:cNvSpPr>
+            <a:spLocks noGrp="1"/>
+          </p:cNvSpPr>
+          <p:nvPr>
+            <p:ph type="sldNum" sz="quarter" idx="10"/>
+          </p:nvPr>
+        </p:nvSpPr>
+        <p:spPr/>
+        <p:txBody>
+          <a:bodyPr/>
+          <a:lstStyle/>
+          <a:p>
+            <a:fld id="{036A4C59-9997-D64D-B418-4F4AB05D75FD}" type="slidenum">
+              <a:rPr lang="en-US" smtClean="0"/>
+              <a:t>7</a:t>
+            </a:fld>
+            <a:endParaRPr lang="en-US"/>
+          </a:p>
+        </p:txBody>
+      </p:sp>
+    </p:spTree>
+    <p:extLst>
+      <p:ext uri="{BB962C8B-B14F-4D97-AF65-F5344CB8AC3E}">
+        <p14:creationId xmlns:p14="http://schemas.microsoft.com/office/powerpoint/2010/main" val="3836724325"/>
+      </p:ext>
+    </p:extLst>
+  </p:cSld>
+  <p:clrMapOvr>
+    <a:masterClrMapping/>
+  </p:clrMapOvr>
+</p:notes>
+</file>
+
+<file path=ppt/notesSlides/notesSlide5.xml><?xml version="1.0" encoding="utf-8"?>
+<p:notes xmlns:a="http://schemas.openxmlformats.org/drawingml/2006/main" xmlns:r="http://schemas.openxmlformats.org/officeDocument/2006/relationships" xmlns:p="http://schemas.openxmlformats.org/presentationml/2006/main">
+  <p:cSld>
+    <p:spTree>
+      <p:nvGrpSpPr>
+        <p:cNvPr id="1" name=""/>
+        <p:cNvGrpSpPr/>
+        <p:nvPr/>
+      </p:nvGrpSpPr>
+      <p:grpSpPr>
+        <a:xfrm>
+          <a:off x="0" y="0"/>
+          <a:ext cx="0" cy="0"/>
+          <a:chOff x="0" y="0"/>
+          <a:chExt cx="0" cy="0"/>
+        </a:xfrm>
+      </p:grpSpPr>
+      <p:sp>
+        <p:nvSpPr>
+          <p:cNvPr id="2" name="Slide Image Placeholder 1"/>
+          <p:cNvSpPr>
+            <a:spLocks noGrp="1" noRot="1" noChangeAspect="1"/>
+          </p:cNvSpPr>
+          <p:nvPr>
+            <p:ph type="sldImg"/>
+          </p:nvPr>
+        </p:nvSpPr>
+        <p:spPr/>
+      </p:sp>
+      <p:sp>
+        <p:nvSpPr>
+          <p:cNvPr id="3" name="Notes Placeholder 2"/>
+          <p:cNvSpPr>
+            <a:spLocks noGrp="1"/>
+          </p:cNvSpPr>
+          <p:nvPr>
+            <p:ph type="body" idx="1"/>
+          </p:nvPr>
+        </p:nvSpPr>
+        <p:spPr/>
+        <p:txBody>
+          <a:bodyPr/>
+          <a:lstStyle/>
+          <a:p>
+            <a:r>
+              <a:rPr lang="en-US" dirty="0" smtClean="0"/>
+              <a:t>Not focusing</a:t>
+            </a:r>
+            <a:r>
+              <a:rPr lang="en-US" baseline="0" dirty="0" smtClean="0"/>
+              <a:t> </a:t>
+            </a:r>
+            <a:r>
+              <a:rPr lang="en-US" baseline="0" dirty="0" err="1" smtClean="0"/>
+              <a:t>exsensively</a:t>
+            </a:r>
+            <a:r>
+              <a:rPr lang="en-US" baseline="0" dirty="0" smtClean="0"/>
+              <a:t> on this because of the cons – </a:t>
+            </a:r>
+          </a:p>
+          <a:p>
+            <a:r>
+              <a:rPr lang="en-US" baseline="0" dirty="0" smtClean="0"/>
+              <a:t>-</a:t>
+            </a:r>
+            <a:r>
+              <a:rPr lang="en-US" baseline="0" dirty="0" err="1" smtClean="0"/>
+              <a:t>digi</a:t>
+            </a:r>
+            <a:r>
+              <a:rPr lang="en-US" baseline="0" dirty="0" smtClean="0"/>
+              <a:t> </a:t>
+            </a:r>
+            <a:r>
+              <a:rPr lang="en-US" baseline="0" dirty="0" err="1" smtClean="0"/>
+              <a:t>pres</a:t>
+            </a:r>
+            <a:r>
+              <a:rPr lang="en-US" baseline="0" dirty="0" smtClean="0"/>
+              <a:t> people do tend to focus more on this</a:t>
+            </a:r>
+            <a:endParaRPr lang="en-US" dirty="0"/>
+          </a:p>
+        </p:txBody>
+      </p:sp>
+      <p:sp>
+        <p:nvSpPr>
+          <p:cNvPr id="4" name="Slide Number Placeholder 3"/>
+          <p:cNvSpPr>
+            <a:spLocks noGrp="1"/>
+          </p:cNvSpPr>
+          <p:nvPr>
+            <p:ph type="sldNum" sz="quarter" idx="10"/>
+          </p:nvPr>
+        </p:nvSpPr>
+        <p:spPr/>
+        <p:txBody>
+          <a:bodyPr/>
+          <a:lstStyle/>
+          <a:p>
+            <a:fld id="{036A4C59-9997-D64D-B418-4F4AB05D75FD}" type="slidenum">
+              <a:rPr lang="en-US" smtClean="0"/>
+              <a:t>9</a:t>
+            </a:fld>
+            <a:endParaRPr lang="en-US"/>
+          </a:p>
+        </p:txBody>
+      </p:sp>
+    </p:spTree>
+    <p:extLst>
+      <p:ext uri="{BB962C8B-B14F-4D97-AF65-F5344CB8AC3E}">
+        <p14:creationId xmlns:p14="http://schemas.microsoft.com/office/powerpoint/2010/main" val="595482887"/>
+      </p:ext>
+    </p:extLst>
+  </p:cSld>
+  <p:clrMapOvr>
+    <a:masterClrMapping/>
+  </p:clrMapOvr>
+</p:notes>
+</file>
+
+<file path=ppt/notesSlides/notesSlide6.xml><?xml version="1.0" encoding="utf-8"?>
+<p:notes xmlns:a="http://schemas.openxmlformats.org/drawingml/2006/main" xmlns:r="http://schemas.openxmlformats.org/officeDocument/2006/relationships" xmlns:p="http://schemas.openxmlformats.org/presentationml/2006/main">
+  <p:cSld>
+    <p:spTree>
+      <p:nvGrpSpPr>
+        <p:cNvPr id="1" name=""/>
+        <p:cNvGrpSpPr/>
+        <p:nvPr/>
+      </p:nvGrpSpPr>
+      <p:grpSpPr>
+        <a:xfrm>
+          <a:off x="0" y="0"/>
+          <a:ext cx="0" cy="0"/>
+          <a:chOff x="0" y="0"/>
+          <a:chExt cx="0" cy="0"/>
+        </a:xfrm>
+      </p:grpSpPr>
+      <p:sp>
+        <p:nvSpPr>
+          <p:cNvPr id="2" name="Slide Image Placeholder 1"/>
+          <p:cNvSpPr>
+            <a:spLocks noGrp="1" noRot="1" noChangeAspect="1"/>
+          </p:cNvSpPr>
+          <p:nvPr>
+            <p:ph type="sldImg"/>
+          </p:nvPr>
+        </p:nvSpPr>
+        <p:spPr/>
+      </p:sp>
+      <p:sp>
+        <p:nvSpPr>
+          <p:cNvPr id="3" name="Notes Placeholder 2"/>
+          <p:cNvSpPr>
+            <a:spLocks noGrp="1"/>
+          </p:cNvSpPr>
+          <p:nvPr>
+            <p:ph type="body" idx="1"/>
+          </p:nvPr>
+        </p:nvSpPr>
+        <p:spPr/>
+        <p:txBody>
+          <a:bodyPr/>
+          <a:lstStyle/>
+          <a:p>
+            <a:r>
+              <a:rPr lang="en-US" dirty="0" smtClean="0"/>
+              <a:t>Tell everyone to pull this up so you have it when I’m speaking</a:t>
+            </a:r>
+            <a:endParaRPr lang="en-US" dirty="0"/>
+          </a:p>
+        </p:txBody>
+      </p:sp>
+      <p:sp>
+        <p:nvSpPr>
+          <p:cNvPr id="4" name="Slide Number Placeholder 3"/>
+          <p:cNvSpPr>
+            <a:spLocks noGrp="1"/>
+          </p:cNvSpPr>
+          <p:nvPr>
+            <p:ph type="sldNum" sz="quarter" idx="10"/>
+          </p:nvPr>
+        </p:nvSpPr>
+        <p:spPr/>
+        <p:txBody>
+          <a:bodyPr/>
+          <a:lstStyle/>
+          <a:p>
+            <a:fld id="{036A4C59-9997-D64D-B418-4F4AB05D75FD}" type="slidenum">
+              <a:rPr lang="en-US" smtClean="0"/>
+              <a:t>12</a:t>
+            </a:fld>
+            <a:endParaRPr lang="en-US"/>
+          </a:p>
+        </p:txBody>
+      </p:sp>
+    </p:spTree>
+    <p:extLst>
+      <p:ext uri="{BB962C8B-B14F-4D97-AF65-F5344CB8AC3E}">
+        <p14:creationId xmlns:p14="http://schemas.microsoft.com/office/powerpoint/2010/main" val="4285290425"/>
+      </p:ext>
+    </p:extLst>
+  </p:cSld>
+  <p:clrMapOvr>
+    <a:masterClrMapping/>
+  </p:clrMapOvr>
+</p:notes>
+</file>
+
+<file path=ppt/notesSlides/notesSlide7.xml><?xml version="1.0" encoding="utf-8"?>
+<p:notes xmlns:a="http://schemas.openxmlformats.org/drawingml/2006/main" xmlns:r="http://schemas.openxmlformats.org/officeDocument/2006/relationships" xmlns:p="http://schemas.openxmlformats.org/presentationml/2006/main">
+  <p:cSld>
+    <p:spTree>
+      <p:nvGrpSpPr>
+        <p:cNvPr id="1" name=""/>
+        <p:cNvGrpSpPr/>
+        <p:nvPr/>
+      </p:nvGrpSpPr>
+      <p:grpSpPr>
+        <a:xfrm>
+          <a:off x="0" y="0"/>
+          <a:ext cx="0" cy="0"/>
+          <a:chOff x="0" y="0"/>
+          <a:chExt cx="0" cy="0"/>
+        </a:xfrm>
+      </p:grpSpPr>
+      <p:sp>
+        <p:nvSpPr>
+          <p:cNvPr id="2" name="Slide Image Placeholder 1"/>
+          <p:cNvSpPr>
+            <a:spLocks noGrp="1" noRot="1" noChangeAspect="1"/>
+          </p:cNvSpPr>
+          <p:nvPr>
+            <p:ph type="sldImg"/>
+          </p:nvPr>
+        </p:nvSpPr>
+        <p:spPr/>
+      </p:sp>
+      <p:sp>
+        <p:nvSpPr>
+          <p:cNvPr id="3" name="Notes Placeholder 2"/>
+          <p:cNvSpPr>
+            <a:spLocks noGrp="1"/>
+          </p:cNvSpPr>
+          <p:nvPr>
+            <p:ph type="body" idx="1"/>
+          </p:nvPr>
+        </p:nvSpPr>
+        <p:spPr/>
+        <p:txBody>
+          <a:bodyPr/>
+          <a:lstStyle/>
+          <a:p>
+            <a:r>
+              <a:rPr lang="en-US" dirty="0" smtClean="0"/>
+              <a:t>Some are </a:t>
+            </a:r>
+            <a:r>
+              <a:rPr lang="en-US" dirty="0" err="1" smtClean="0"/>
+              <a:t>indidual</a:t>
+            </a:r>
+            <a:r>
+              <a:rPr lang="en-US" baseline="0" dirty="0" smtClean="0"/>
+              <a:t> actions, some are </a:t>
+            </a:r>
+            <a:r>
+              <a:rPr lang="en-US" baseline="0" dirty="0" err="1" smtClean="0"/>
+              <a:t>isntitutional</a:t>
+            </a:r>
+            <a:r>
+              <a:rPr lang="en-US" baseline="0" dirty="0" smtClean="0"/>
+              <a:t>, some aren’t your problem</a:t>
+            </a:r>
+          </a:p>
+          <a:p>
+            <a:endParaRPr lang="en-US" baseline="0" dirty="0" smtClean="0"/>
+          </a:p>
+          <a:p>
+            <a:r>
+              <a:rPr lang="en-US" baseline="0" dirty="0" smtClean="0"/>
+              <a:t>Disposal, for example, should be driven by policy</a:t>
+            </a:r>
+            <a:endParaRPr lang="en-US" dirty="0"/>
+          </a:p>
+        </p:txBody>
+      </p:sp>
+      <p:sp>
+        <p:nvSpPr>
+          <p:cNvPr id="4" name="Slide Number Placeholder 3"/>
+          <p:cNvSpPr>
+            <a:spLocks noGrp="1"/>
+          </p:cNvSpPr>
+          <p:nvPr>
+            <p:ph type="sldNum" sz="quarter" idx="10"/>
+          </p:nvPr>
+        </p:nvSpPr>
+        <p:spPr/>
+        <p:txBody>
+          <a:bodyPr/>
+          <a:lstStyle/>
+          <a:p>
+            <a:fld id="{036A4C59-9997-D64D-B418-4F4AB05D75FD}" type="slidenum">
+              <a:rPr lang="en-US" smtClean="0"/>
+              <a:t>21</a:t>
+            </a:fld>
+            <a:endParaRPr lang="en-US"/>
+          </a:p>
+        </p:txBody>
+      </p:sp>
+    </p:spTree>
+    <p:extLst>
+      <p:ext uri="{BB962C8B-B14F-4D97-AF65-F5344CB8AC3E}">
+        <p14:creationId xmlns:p14="http://schemas.microsoft.com/office/powerpoint/2010/main" val="2803006481"/>
+      </p:ext>
+    </p:extLst>
+  </p:cSld>
+  <p:clrMapOvr>
+    <a:masterClrMapping/>
+  </p:clrMapOvr>
+</p:notes>
+</file>
+
+<file path=ppt/notesSlides/notesSlide8.xml><?xml version="1.0" encoding="utf-8"?>
+<p:notes xmlns:a="http://schemas.openxmlformats.org/drawingml/2006/main" xmlns:r="http://schemas.openxmlformats.org/officeDocument/2006/relationships" xmlns:p="http://schemas.openxmlformats.org/presentationml/2006/main">
+  <p:cSld>
+    <p:spTree>
+      <p:nvGrpSpPr>
+        <p:cNvPr id="1" name=""/>
+        <p:cNvGrpSpPr/>
+        <p:nvPr/>
+      </p:nvGrpSpPr>
+      <p:grpSpPr>
+        <a:xfrm>
+          <a:off x="0" y="0"/>
+          <a:ext cx="0" cy="0"/>
+          <a:chOff x="0" y="0"/>
+          <a:chExt cx="0" cy="0"/>
+        </a:xfrm>
+      </p:grpSpPr>
+      <p:sp>
+        <p:nvSpPr>
+          <p:cNvPr id="2" name="Slide Image Placeholder 1"/>
+          <p:cNvSpPr>
+            <a:spLocks noGrp="1" noRot="1" noChangeAspect="1"/>
+          </p:cNvSpPr>
+          <p:nvPr>
+            <p:ph type="sldImg"/>
+          </p:nvPr>
+        </p:nvSpPr>
+        <p:spPr/>
+      </p:sp>
+      <p:sp>
+        <p:nvSpPr>
+          <p:cNvPr id="3" name="Notes Placeholder 2"/>
+          <p:cNvSpPr>
+            <a:spLocks noGrp="1"/>
+          </p:cNvSpPr>
+          <p:nvPr>
+            <p:ph type="body" idx="1"/>
+          </p:nvPr>
+        </p:nvSpPr>
+        <p:spPr/>
+        <p:txBody>
+          <a:bodyPr/>
+          <a:lstStyle/>
+          <a:p>
+            <a:r>
+              <a:rPr lang="en-US" dirty="0" smtClean="0"/>
+              <a:t>Create and Conceptualize as two tiny boxes</a:t>
+            </a:r>
+            <a:endParaRPr lang="en-US" dirty="0"/>
+          </a:p>
+        </p:txBody>
+      </p:sp>
+      <p:sp>
+        <p:nvSpPr>
+          <p:cNvPr id="4" name="Slide Number Placeholder 3"/>
+          <p:cNvSpPr>
+            <a:spLocks noGrp="1"/>
+          </p:cNvSpPr>
+          <p:nvPr>
+            <p:ph type="sldNum" sz="quarter" idx="10"/>
+          </p:nvPr>
+        </p:nvSpPr>
+        <p:spPr/>
+        <p:txBody>
+          <a:bodyPr/>
+          <a:lstStyle/>
+          <a:p>
+            <a:fld id="{036A4C59-9997-D64D-B418-4F4AB05D75FD}" type="slidenum">
+              <a:rPr lang="en-US" smtClean="0"/>
+              <a:t>23</a:t>
+            </a:fld>
+            <a:endParaRPr lang="en-US"/>
+          </a:p>
+        </p:txBody>
+      </p:sp>
+    </p:spTree>
+    <p:extLst>
+      <p:ext uri="{BB962C8B-B14F-4D97-AF65-F5344CB8AC3E}">
+        <p14:creationId xmlns:p14="http://schemas.microsoft.com/office/powerpoint/2010/main" val="2747795233"/>
+      </p:ext>
+    </p:extLst>
+  </p:cSld>
+  <p:clrMapOvr>
+    <a:masterClrMapping/>
+  </p:clrMapOvr>
+</p:notes>
+</file>
+
+<file path=ppt/notesSlides/notesSlide9.xml><?xml version="1.0" encoding="utf-8"?>
+<p:notes xmlns:a="http://schemas.openxmlformats.org/drawingml/2006/main" xmlns:r="http://schemas.openxmlformats.org/officeDocument/2006/relationships" xmlns:p="http://schemas.openxmlformats.org/presentationml/2006/main">
+  <p:cSld>
+    <p:spTree>
+      <p:nvGrpSpPr>
+        <p:cNvPr id="1" name=""/>
+        <p:cNvGrpSpPr/>
+        <p:nvPr/>
+      </p:nvGrpSpPr>
+      <p:grpSpPr>
+        <a:xfrm>
+          <a:off x="0" y="0"/>
+          <a:ext cx="0" cy="0"/>
+          <a:chOff x="0" y="0"/>
+          <a:chExt cx="0" cy="0"/>
+        </a:xfrm>
+      </p:grpSpPr>
+      <p:sp>
+        <p:nvSpPr>
+          <p:cNvPr id="2" name="Slide Image Placeholder 1"/>
+          <p:cNvSpPr>
+            <a:spLocks noGrp="1" noRot="1" noChangeAspect="1"/>
+          </p:cNvSpPr>
+          <p:nvPr>
+            <p:ph type="sldImg"/>
+          </p:nvPr>
+        </p:nvSpPr>
+        <p:spPr/>
+      </p:sp>
+      <p:sp>
+        <p:nvSpPr>
+          <p:cNvPr id="3" name="Notes Placeholder 2"/>
+          <p:cNvSpPr>
+            <a:spLocks noGrp="1"/>
+          </p:cNvSpPr>
+          <p:nvPr>
+            <p:ph type="body" idx="1"/>
+          </p:nvPr>
+        </p:nvSpPr>
+        <p:spPr/>
+        <p:txBody>
+          <a:bodyPr/>
+          <a:lstStyle/>
+          <a:p>
+            <a:endParaRPr lang="en-US" dirty="0"/>
+          </a:p>
+        </p:txBody>
+      </p:sp>
+      <p:sp>
+        <p:nvSpPr>
+          <p:cNvPr id="4" name="Slide Number Placeholder 3"/>
+          <p:cNvSpPr>
+            <a:spLocks noGrp="1"/>
+          </p:cNvSpPr>
+          <p:nvPr>
+            <p:ph type="sldNum" sz="quarter" idx="10"/>
+          </p:nvPr>
+        </p:nvSpPr>
+        <p:spPr/>
+        <p:txBody>
+          <a:bodyPr/>
+          <a:lstStyle/>
+          <a:p>
+            <a:fld id="{036A4C59-9997-D64D-B418-4F4AB05D75FD}" type="slidenum">
+              <a:rPr lang="en-US" smtClean="0"/>
+              <a:t>24</a:t>
+            </a:fld>
+            <a:endParaRPr lang="en-US"/>
+          </a:p>
+        </p:txBody>
+      </p:sp>
+    </p:spTree>
+    <p:extLst>
+      <p:ext uri="{BB962C8B-B14F-4D97-AF65-F5344CB8AC3E}">
+        <p14:creationId xmlns:p14="http://schemas.microsoft.com/office/powerpoint/2010/main" val="2405891502"/>
       </p:ext>
     </p:extLst>
   </p:cSld>
@@ -778,7 +1710,7 @@
           <a:p>
             <a:fld id="{9D6228D5-5F93-BB4A-964B-203967C46295}" type="datetimeFigureOut">
               <a:rPr lang="en-US" smtClean="0"/>
-              <a:t>1/17/15</a:t>
+              <a:t>1/18/15</a:t>
             </a:fld>
             <a:endParaRPr lang="en-US"/>
           </a:p>
@@ -948,7 +1880,7 @@
           <a:p>
             <a:fld id="{9D6228D5-5F93-BB4A-964B-203967C46295}" type="datetimeFigureOut">
               <a:rPr lang="en-US" smtClean="0"/>
-              <a:t>1/17/15</a:t>
+              <a:t>1/18/15</a:t>
             </a:fld>
             <a:endParaRPr lang="en-US"/>
           </a:p>
@@ -1128,7 +2060,7 @@
           <a:p>
             <a:fld id="{9D6228D5-5F93-BB4A-964B-203967C46295}" type="datetimeFigureOut">
               <a:rPr lang="en-US" smtClean="0"/>
-              <a:t>1/17/15</a:t>
+              <a:t>1/18/15</a:t>
             </a:fld>
             <a:endParaRPr lang="en-US"/>
           </a:p>
@@ -1298,7 +2230,7 @@
           <a:p>
             <a:fld id="{9D6228D5-5F93-BB4A-964B-203967C46295}" type="datetimeFigureOut">
               <a:rPr lang="en-US" smtClean="0"/>
-              <a:t>1/17/15</a:t>
+              <a:t>1/18/15</a:t>
             </a:fld>
             <a:endParaRPr lang="en-US"/>
           </a:p>
@@ -1544,7 +2476,7 @@
           <a:p>
             <a:fld id="{9D6228D5-5F93-BB4A-964B-203967C46295}" type="datetimeFigureOut">
               <a:rPr lang="en-US" smtClean="0"/>
-              <a:t>1/17/15</a:t>
+              <a:t>1/18/15</a:t>
             </a:fld>
             <a:endParaRPr lang="en-US"/>
           </a:p>
@@ -1832,7 +2764,7 @@
           <a:p>
             <a:fld id="{9D6228D5-5F93-BB4A-964B-203967C46295}" type="datetimeFigureOut">
               <a:rPr lang="en-US" smtClean="0"/>
-              <a:t>1/17/15</a:t>
+              <a:t>1/18/15</a:t>
             </a:fld>
             <a:endParaRPr lang="en-US"/>
           </a:p>
@@ -2254,7 +3186,7 @@
           <a:p>
             <a:fld id="{9D6228D5-5F93-BB4A-964B-203967C46295}" type="datetimeFigureOut">
               <a:rPr lang="en-US" smtClean="0"/>
-              <a:t>1/17/15</a:t>
+              <a:t>1/18/15</a:t>
             </a:fld>
             <a:endParaRPr lang="en-US"/>
           </a:p>
@@ -2372,7 +3304,7 @@
           <a:p>
             <a:fld id="{9D6228D5-5F93-BB4A-964B-203967C46295}" type="datetimeFigureOut">
               <a:rPr lang="en-US" smtClean="0"/>
-              <a:t>1/17/15</a:t>
+              <a:t>1/18/15</a:t>
             </a:fld>
             <a:endParaRPr lang="en-US"/>
           </a:p>
@@ -2467,7 +3399,7 @@
           <a:p>
             <a:fld id="{9D6228D5-5F93-BB4A-964B-203967C46295}" type="datetimeFigureOut">
               <a:rPr lang="en-US" smtClean="0"/>
-              <a:t>1/17/15</a:t>
+              <a:t>1/18/15</a:t>
             </a:fld>
             <a:endParaRPr lang="en-US"/>
           </a:p>
@@ -2744,7 +3676,7 @@
           <a:p>
             <a:fld id="{9D6228D5-5F93-BB4A-964B-203967C46295}" type="datetimeFigureOut">
               <a:rPr lang="en-US" smtClean="0"/>
-              <a:t>1/17/15</a:t>
+              <a:t>1/18/15</a:t>
             </a:fld>
             <a:endParaRPr lang="en-US"/>
           </a:p>
@@ -2997,7 +3929,7 @@
           <a:p>
             <a:fld id="{9D6228D5-5F93-BB4A-964B-203967C46295}" type="datetimeFigureOut">
               <a:rPr lang="en-US" smtClean="0"/>
-              <a:t>1/17/15</a:t>
+              <a:t>1/18/15</a:t>
             </a:fld>
             <a:endParaRPr lang="en-US"/>
           </a:p>
@@ -3210,7 +4142,7 @@
           <a:p>
             <a:fld id="{9D6228D5-5F93-BB4A-964B-203967C46295}" type="datetimeFigureOut">
               <a:rPr lang="en-US" smtClean="0"/>
-              <a:t>1/17/15</a:t>
+              <a:t>1/18/15</a:t>
             </a:fld>
             <a:endParaRPr lang="en-US"/>
           </a:p>
@@ -3730,231 +4662,6 @@
             <a:spLocks noGrp="1"/>
           </p:cNvSpPr>
           <p:nvPr>
-            <p:ph type="title"/>
-          </p:nvPr>
-        </p:nvSpPr>
-        <p:spPr/>
-        <p:txBody>
-          <a:bodyPr/>
-          <a:lstStyle/>
-          <a:p>
-            <a:r>
-              <a:rPr lang="en-US" dirty="0" smtClean="0"/>
-              <a:t>OAIS Reference Model	</a:t>
-            </a:r>
-            <a:endParaRPr lang="en-US" dirty="0"/>
-          </a:p>
-        </p:txBody>
-      </p:sp>
-      <p:sp>
-        <p:nvSpPr>
-          <p:cNvPr id="3" name="Content Placeholder 2"/>
-          <p:cNvSpPr>
-            <a:spLocks noGrp="1"/>
-          </p:cNvSpPr>
-          <p:nvPr>
-            <p:ph idx="1"/>
-          </p:nvPr>
-        </p:nvSpPr>
-        <p:spPr/>
-        <p:txBody>
-          <a:bodyPr/>
-          <a:lstStyle/>
-          <a:p>
-            <a:r>
-              <a:rPr lang="en-US" dirty="0" smtClean="0"/>
-              <a:t>Pros: </a:t>
-            </a:r>
-          </a:p>
-          <a:p>
-            <a:pPr lvl="1"/>
-            <a:r>
-              <a:rPr lang="en-US" dirty="0" smtClean="0"/>
-              <a:t>Good high-level model of preservation system</a:t>
-            </a:r>
-          </a:p>
-          <a:p>
-            <a:pPr lvl="1"/>
-            <a:r>
-              <a:rPr lang="en-US" dirty="0" smtClean="0"/>
-              <a:t>Adopted by a range of institutions</a:t>
-            </a:r>
-          </a:p>
-          <a:p>
-            <a:pPr lvl="1"/>
-            <a:r>
-              <a:rPr lang="en-US" dirty="0" smtClean="0"/>
-              <a:t>Common terminology</a:t>
-            </a:r>
-          </a:p>
-          <a:p>
-            <a:pPr lvl="1"/>
-            <a:r>
-              <a:rPr lang="en-US" dirty="0" smtClean="0"/>
-              <a:t>very library/archives oriented</a:t>
-            </a:r>
-          </a:p>
-          <a:p>
-            <a:pPr lvl="1"/>
-            <a:r>
-              <a:rPr lang="en-US" dirty="0" smtClean="0"/>
-              <a:t>Concentrating on the needs of a “designated community” can help focus curatorial goals and </a:t>
-            </a:r>
-            <a:r>
-              <a:rPr lang="en-US" dirty="0" err="1" smtClean="0"/>
-              <a:t>priortities</a:t>
-            </a:r>
-            <a:endParaRPr lang="en-US" dirty="0" smtClean="0"/>
-          </a:p>
-          <a:p>
-            <a:pPr lvl="1"/>
-            <a:endParaRPr lang="en-US" dirty="0" smtClean="0"/>
-          </a:p>
-          <a:p>
-            <a:endParaRPr lang="en-US" dirty="0"/>
-          </a:p>
-        </p:txBody>
-      </p:sp>
-    </p:spTree>
-    <p:extLst>
-      <p:ext uri="{BB962C8B-B14F-4D97-AF65-F5344CB8AC3E}">
-        <p14:creationId xmlns:p14="http://schemas.microsoft.com/office/powerpoint/2010/main" val="642430859"/>
-      </p:ext>
-    </p:extLst>
-  </p:cSld>
-  <p:clrMapOvr>
-    <a:masterClrMapping/>
-  </p:clrMapOvr>
-</p:sld>
-</file>
-
-<file path=ppt/slides/slide11.xml><?xml version="1.0" encoding="utf-8"?>
-<p:sld xmlns:a="http://schemas.openxmlformats.org/drawingml/2006/main" xmlns:r="http://schemas.openxmlformats.org/officeDocument/2006/relationships" xmlns:p="http://schemas.openxmlformats.org/presentationml/2006/main">
-  <p:cSld>
-    <p:spTree>
-      <p:nvGrpSpPr>
-        <p:cNvPr id="1" name=""/>
-        <p:cNvGrpSpPr/>
-        <p:nvPr/>
-      </p:nvGrpSpPr>
-      <p:grpSpPr>
-        <a:xfrm>
-          <a:off x="0" y="0"/>
-          <a:ext cx="0" cy="0"/>
-          <a:chOff x="0" y="0"/>
-          <a:chExt cx="0" cy="0"/>
-        </a:xfrm>
-      </p:grpSpPr>
-      <p:sp>
-        <p:nvSpPr>
-          <p:cNvPr id="2" name="Title 1"/>
-          <p:cNvSpPr>
-            <a:spLocks noGrp="1"/>
-          </p:cNvSpPr>
-          <p:nvPr>
-            <p:ph type="title"/>
-          </p:nvPr>
-        </p:nvSpPr>
-        <p:spPr/>
-        <p:txBody>
-          <a:bodyPr/>
-          <a:lstStyle/>
-          <a:p>
-            <a:r>
-              <a:rPr lang="en-US" dirty="0" smtClean="0"/>
-              <a:t>OAIS Reference Model	</a:t>
-            </a:r>
-            <a:endParaRPr lang="en-US" dirty="0"/>
-          </a:p>
-        </p:txBody>
-      </p:sp>
-      <p:sp>
-        <p:nvSpPr>
-          <p:cNvPr id="3" name="Content Placeholder 2"/>
-          <p:cNvSpPr>
-            <a:spLocks noGrp="1"/>
-          </p:cNvSpPr>
-          <p:nvPr>
-            <p:ph idx="1"/>
-          </p:nvPr>
-        </p:nvSpPr>
-        <p:spPr/>
-        <p:txBody>
-          <a:bodyPr/>
-          <a:lstStyle/>
-          <a:p>
-            <a:r>
-              <a:rPr lang="en-US" dirty="0" smtClean="0"/>
-              <a:t>Cons: </a:t>
-            </a:r>
-          </a:p>
-          <a:p>
-            <a:pPr lvl="1"/>
-            <a:r>
-              <a:rPr lang="en-US" dirty="0" smtClean="0"/>
-              <a:t>What if your “designated community” is very broad? (e.g. an entire university)</a:t>
-            </a:r>
-          </a:p>
-          <a:p>
-            <a:pPr lvl="1"/>
-            <a:r>
-              <a:rPr lang="en-US" dirty="0" smtClean="0"/>
-              <a:t>Does not provide any guidelines about what should be contained in an SIP</a:t>
-            </a:r>
-          </a:p>
-          <a:p>
-            <a:pPr lvl="1"/>
-            <a:r>
-              <a:rPr lang="en-US" dirty="0" smtClean="0"/>
-              <a:t>Does not provide insight into data creation/management before creation of SIP</a:t>
-            </a:r>
-          </a:p>
-          <a:p>
-            <a:pPr lvl="1"/>
-            <a:endParaRPr lang="en-US" dirty="0" smtClean="0"/>
-          </a:p>
-          <a:p>
-            <a:endParaRPr lang="en-US" dirty="0"/>
-          </a:p>
-        </p:txBody>
-      </p:sp>
-    </p:spTree>
-    <p:extLst>
-      <p:ext uri="{BB962C8B-B14F-4D97-AF65-F5344CB8AC3E}">
-        <p14:creationId xmlns:p14="http://schemas.microsoft.com/office/powerpoint/2010/main" val="320222291"/>
-      </p:ext>
-    </p:extLst>
-  </p:cSld>
-  <p:clrMapOvr>
-    <a:masterClrMapping/>
-  </p:clrMapOvr>
-</p:sld>
-</file>
-
-<file path=ppt/slides/slide12.xml><?xml version="1.0" encoding="utf-8"?>
-<p:sld xmlns:a="http://schemas.openxmlformats.org/drawingml/2006/main" xmlns:r="http://schemas.openxmlformats.org/officeDocument/2006/relationships" xmlns:p="http://schemas.openxmlformats.org/presentationml/2006/main">
-  <p:cSld>
-    <p:spTree>
-      <p:nvGrpSpPr>
-        <p:cNvPr id="1" name=""/>
-        <p:cNvGrpSpPr/>
-        <p:nvPr/>
-      </p:nvGrpSpPr>
-      <p:grpSpPr>
-        <a:xfrm>
-          <a:off x="0" y="0"/>
-          <a:ext cx="0" cy="0"/>
-          <a:chOff x="0" y="0"/>
-          <a:chExt cx="0" cy="0"/>
-        </a:xfrm>
-      </p:grpSpPr>
-      <p:sp>
-        <p:nvSpPr>
-          <p:cNvPr id="2" name="Title 1"/>
-          <p:cNvSpPr>
-            <a:spLocks noGrp="1"/>
-          </p:cNvSpPr>
-          <p:nvPr>
             <p:ph type="ctrTitle"/>
           </p:nvPr>
         </p:nvSpPr>
@@ -4028,7 +4735,7 @@
 </p:sld>
 </file>
 
-<file path=ppt/slides/slide13.xml><?xml version="1.0" encoding="utf-8"?>
+<file path=ppt/slides/slide11.xml><?xml version="1.0" encoding="utf-8"?>
 <p:sld xmlns:a="http://schemas.openxmlformats.org/drawingml/2006/main" xmlns:r="http://schemas.openxmlformats.org/officeDocument/2006/relationships" xmlns:p="http://schemas.openxmlformats.org/presentationml/2006/main">
   <p:cSld>
     <p:spTree>
@@ -4126,7 +4833,7 @@
 </p:sld>
 </file>
 
-<file path=ppt/slides/slide14.xml><?xml version="1.0" encoding="utf-8"?>
+<file path=ppt/slides/slide12.xml><?xml version="1.0" encoding="utf-8"?>
 <p:sld xmlns:a="http://schemas.openxmlformats.org/drawingml/2006/main" xmlns:r="http://schemas.openxmlformats.org/officeDocument/2006/relationships" xmlns:p="http://schemas.openxmlformats.org/presentationml/2006/main">
   <p:cSld>
     <p:spTree>
@@ -4152,7 +4859,7 @@
           <p:nvPr/>
         </p:nvPicPr>
         <p:blipFill>
-          <a:blip r:embed="rId2"/>
+          <a:blip r:embed="rId3"/>
           <a:stretch>
             <a:fillRect/>
           </a:stretch>
@@ -4180,7 +4887,7 @@
 </p:sld>
 </file>
 
-<file path=ppt/slides/slide15.xml><?xml version="1.0" encoding="utf-8"?>
+<file path=ppt/slides/slide13.xml><?xml version="1.0" encoding="utf-8"?>
 <p:sld xmlns:a="http://schemas.openxmlformats.org/drawingml/2006/main" xmlns:r="http://schemas.openxmlformats.org/officeDocument/2006/relationships" xmlns:p="http://schemas.openxmlformats.org/presentationml/2006/main">
   <p:cSld>
     <p:spTree>
@@ -4359,7 +5066,7 @@
 </p:sld>
 </file>
 
-<file path=ppt/slides/slide16.xml><?xml version="1.0" encoding="utf-8"?>
+<file path=ppt/slides/slide14.xml><?xml version="1.0" encoding="utf-8"?>
 <p:sld xmlns:a="http://schemas.openxmlformats.org/drawingml/2006/main" xmlns:r="http://schemas.openxmlformats.org/officeDocument/2006/relationships" xmlns:p="http://schemas.openxmlformats.org/presentationml/2006/main">
   <p:cSld>
     <p:spTree>
@@ -4480,7 +5187,7 @@
 </p:sld>
 </file>
 
-<file path=ppt/slides/slide17.xml><?xml version="1.0" encoding="utf-8"?>
+<file path=ppt/slides/slide15.xml><?xml version="1.0" encoding="utf-8"?>
 <p:sld xmlns:a="http://schemas.openxmlformats.org/drawingml/2006/main" xmlns:r="http://schemas.openxmlformats.org/officeDocument/2006/relationships" xmlns:p="http://schemas.openxmlformats.org/presentationml/2006/main">
   <p:cSld>
     <p:spTree>
@@ -4590,7 +5297,7 @@
 </p:sld>
 </file>
 
-<file path=ppt/slides/slide18.xml><?xml version="1.0" encoding="utf-8"?>
+<file path=ppt/slides/slide16.xml><?xml version="1.0" encoding="utf-8"?>
 <p:sld xmlns:a="http://schemas.openxmlformats.org/drawingml/2006/main" xmlns:r="http://schemas.openxmlformats.org/officeDocument/2006/relationships" xmlns:p="http://schemas.openxmlformats.org/presentationml/2006/main">
   <p:cSld>
     <p:spTree>
@@ -4896,6 +5603,268 @@
 </p:sld>
 </file>
 
+<file path=ppt/slides/slide17.xml><?xml version="1.0" encoding="utf-8"?>
+<p:sld xmlns:a="http://schemas.openxmlformats.org/drawingml/2006/main" xmlns:r="http://schemas.openxmlformats.org/officeDocument/2006/relationships" xmlns:p="http://schemas.openxmlformats.org/presentationml/2006/main">
+  <p:cSld>
+    <p:spTree>
+      <p:nvGrpSpPr>
+        <p:cNvPr id="1" name=""/>
+        <p:cNvGrpSpPr/>
+        <p:nvPr/>
+      </p:nvGrpSpPr>
+      <p:grpSpPr>
+        <a:xfrm>
+          <a:off x="0" y="0"/>
+          <a:ext cx="0" cy="0"/>
+          <a:chOff x="0" y="0"/>
+          <a:chExt cx="0" cy="0"/>
+        </a:xfrm>
+      </p:grpSpPr>
+      <p:sp>
+        <p:nvSpPr>
+          <p:cNvPr id="2" name="Title 1"/>
+          <p:cNvSpPr>
+            <a:spLocks noGrp="1"/>
+          </p:cNvSpPr>
+          <p:nvPr>
+            <p:ph type="title"/>
+          </p:nvPr>
+        </p:nvSpPr>
+        <p:spPr/>
+        <p:txBody>
+          <a:bodyPr/>
+          <a:lstStyle/>
+          <a:p>
+            <a:r>
+              <a:rPr lang="en-US" dirty="0" smtClean="0"/>
+              <a:t>Sequential Actions</a:t>
+            </a:r>
+            <a:endParaRPr lang="en-US" dirty="0"/>
+          </a:p>
+        </p:txBody>
+      </p:sp>
+      <p:sp>
+        <p:nvSpPr>
+          <p:cNvPr id="3" name="Content Placeholder 2"/>
+          <p:cNvSpPr>
+            <a:spLocks noGrp="1"/>
+          </p:cNvSpPr>
+          <p:nvPr>
+            <p:ph idx="1"/>
+          </p:nvPr>
+        </p:nvSpPr>
+        <p:spPr/>
+        <p:txBody>
+          <a:bodyPr>
+            <a:noAutofit/>
+          </a:bodyPr>
+          <a:lstStyle/>
+          <a:p>
+            <a:r>
+              <a:rPr lang="en-US" sz="2000" b="1" dirty="0" err="1" smtClean="0"/>
+              <a:t>Conceptualise</a:t>
+            </a:r>
+            <a:r>
+              <a:rPr lang="en-US" sz="2000" dirty="0" smtClean="0"/>
+              <a:t>: Conceive </a:t>
+            </a:r>
+            <a:r>
+              <a:rPr lang="en-US" sz="2000" dirty="0"/>
+              <a:t>and plan the creation of data, including capture method and storage options.</a:t>
+            </a:r>
+          </a:p>
+          <a:p>
+            <a:endParaRPr lang="en-US" sz="2000" dirty="0"/>
+          </a:p>
+          <a:p>
+            <a:r>
+              <a:rPr lang="en-US" sz="2000" b="1" dirty="0" smtClean="0"/>
+              <a:t>Create </a:t>
+            </a:r>
+            <a:r>
+              <a:rPr lang="en-US" sz="2000" b="1" dirty="0"/>
+              <a:t>or </a:t>
+            </a:r>
+            <a:r>
+              <a:rPr lang="en-US" sz="2000" b="1" dirty="0" smtClean="0"/>
+              <a:t>Receive</a:t>
+            </a:r>
+            <a:r>
+              <a:rPr lang="en-US" sz="2000" dirty="0" smtClean="0"/>
+              <a:t>: Create </a:t>
+            </a:r>
+            <a:r>
+              <a:rPr lang="en-US" sz="2000" dirty="0"/>
+              <a:t>data including administrative, descriptive, structural and technical metadata. Preservation metadata may also be added at the time of creation. Receive data, in accordance with documented collecting policies, from data creators, other archives, repositories or data </a:t>
+            </a:r>
+            <a:r>
+              <a:rPr lang="en-US" sz="2000" dirty="0" err="1"/>
+              <a:t>centres</a:t>
+            </a:r>
+            <a:r>
+              <a:rPr lang="en-US" sz="2000" dirty="0"/>
+              <a:t>, and if required assign appropriate metadata.</a:t>
+            </a:r>
+          </a:p>
+          <a:p>
+            <a:endParaRPr lang="en-US" sz="2000" dirty="0"/>
+          </a:p>
+          <a:p>
+            <a:r>
+              <a:rPr lang="en-US" sz="2000" b="1" dirty="0" smtClean="0"/>
+              <a:t>Appraise </a:t>
+            </a:r>
+            <a:r>
+              <a:rPr lang="en-US" sz="2000" b="1" dirty="0"/>
+              <a:t>and </a:t>
+            </a:r>
+            <a:r>
+              <a:rPr lang="en-US" sz="2000" b="1" dirty="0" smtClean="0"/>
+              <a:t>Select: </a:t>
+            </a:r>
+            <a:r>
+              <a:rPr lang="en-US" sz="2000" dirty="0" smtClean="0"/>
+              <a:t>Evaluate </a:t>
+            </a:r>
+            <a:r>
+              <a:rPr lang="en-US" sz="2000" dirty="0"/>
+              <a:t>data and select for long-term curation and preservation. Adhere to documented guidance, policies or legal requirements.</a:t>
+            </a:r>
+          </a:p>
+          <a:p>
+            <a:endParaRPr lang="en-US" sz="2000" dirty="0"/>
+          </a:p>
+        </p:txBody>
+      </p:sp>
+    </p:spTree>
+    <p:extLst>
+      <p:ext uri="{BB962C8B-B14F-4D97-AF65-F5344CB8AC3E}">
+        <p14:creationId xmlns:p14="http://schemas.microsoft.com/office/powerpoint/2010/main" val="3251987550"/>
+      </p:ext>
+    </p:extLst>
+  </p:cSld>
+  <p:clrMapOvr>
+    <a:masterClrMapping/>
+  </p:clrMapOvr>
+</p:sld>
+</file>
+
+<file path=ppt/slides/slide18.xml><?xml version="1.0" encoding="utf-8"?>
+<p:sld xmlns:a="http://schemas.openxmlformats.org/drawingml/2006/main" xmlns:r="http://schemas.openxmlformats.org/officeDocument/2006/relationships" xmlns:p="http://schemas.openxmlformats.org/presentationml/2006/main">
+  <p:cSld>
+    <p:spTree>
+      <p:nvGrpSpPr>
+        <p:cNvPr id="1" name=""/>
+        <p:cNvGrpSpPr/>
+        <p:nvPr/>
+      </p:nvGrpSpPr>
+      <p:grpSpPr>
+        <a:xfrm>
+          <a:off x="0" y="0"/>
+          <a:ext cx="0" cy="0"/>
+          <a:chOff x="0" y="0"/>
+          <a:chExt cx="0" cy="0"/>
+        </a:xfrm>
+      </p:grpSpPr>
+      <p:sp>
+        <p:nvSpPr>
+          <p:cNvPr id="2" name="Title 1"/>
+          <p:cNvSpPr>
+            <a:spLocks noGrp="1"/>
+          </p:cNvSpPr>
+          <p:nvPr>
+            <p:ph type="title"/>
+          </p:nvPr>
+        </p:nvSpPr>
+        <p:spPr/>
+        <p:txBody>
+          <a:bodyPr/>
+          <a:lstStyle/>
+          <a:p>
+            <a:r>
+              <a:rPr lang="en-US" dirty="0" smtClean="0"/>
+              <a:t>Sequential Actions</a:t>
+            </a:r>
+            <a:endParaRPr lang="en-US" dirty="0"/>
+          </a:p>
+        </p:txBody>
+      </p:sp>
+      <p:sp>
+        <p:nvSpPr>
+          <p:cNvPr id="3" name="Content Placeholder 2"/>
+          <p:cNvSpPr>
+            <a:spLocks noGrp="1"/>
+          </p:cNvSpPr>
+          <p:nvPr>
+            <p:ph idx="1"/>
+          </p:nvPr>
+        </p:nvSpPr>
+        <p:spPr/>
+        <p:txBody>
+          <a:bodyPr>
+            <a:normAutofit/>
+          </a:bodyPr>
+          <a:lstStyle/>
+          <a:p>
+            <a:r>
+              <a:rPr lang="en-US" sz="2000" b="1" dirty="0" smtClean="0"/>
+              <a:t>Ingest: </a:t>
+            </a:r>
+            <a:r>
+              <a:rPr lang="en-US" sz="2000" dirty="0" smtClean="0"/>
+              <a:t>Transfer </a:t>
+            </a:r>
+            <a:r>
+              <a:rPr lang="en-US" sz="2000" dirty="0"/>
+              <a:t>data to an archive, repository, data </a:t>
+            </a:r>
+            <a:r>
+              <a:rPr lang="en-US" sz="2000" dirty="0" err="1"/>
+              <a:t>centre</a:t>
+            </a:r>
+            <a:r>
+              <a:rPr lang="en-US" sz="2000" dirty="0"/>
+              <a:t> or other custodian. Adhere to documented guidance, policies or legal requirements.</a:t>
+            </a:r>
+          </a:p>
+          <a:p>
+            <a:endParaRPr lang="en-US" sz="2000" dirty="0"/>
+          </a:p>
+          <a:p>
+            <a:r>
+              <a:rPr lang="en-US" sz="2000" b="1" dirty="0" smtClean="0"/>
+              <a:t>Preservation Action: </a:t>
+            </a:r>
+            <a:r>
+              <a:rPr lang="en-US" sz="2000" dirty="0" smtClean="0"/>
+              <a:t>Undertake </a:t>
+            </a:r>
+            <a:r>
+              <a:rPr lang="en-US" sz="2000" dirty="0"/>
+              <a:t>actions to ensure long-term preservation and retention of the authoritative nature of data. Preservation actions should ensure that data remains authentic, reliable and usable while maintaining its integrity. Actions include data cleaning, validation, assigning preservation metadata, assigning representation information and ensuring acceptable data structures or file formats.</a:t>
+            </a:r>
+          </a:p>
+          <a:p>
+            <a:endParaRPr lang="en-US" sz="2000" dirty="0"/>
+          </a:p>
+          <a:p>
+            <a:endParaRPr lang="en-US" sz="2000" dirty="0"/>
+          </a:p>
+        </p:txBody>
+      </p:sp>
+    </p:spTree>
+    <p:extLst>
+      <p:ext uri="{BB962C8B-B14F-4D97-AF65-F5344CB8AC3E}">
+        <p14:creationId xmlns:p14="http://schemas.microsoft.com/office/powerpoint/2010/main" val="347505531"/>
+      </p:ext>
+    </p:extLst>
+  </p:cSld>
+  <p:clrMapOvr>
+    <a:masterClrMapping/>
+  </p:clrMapOvr>
+</p:sld>
+</file>
+
 <file path=ppt/slides/slide19.xml><?xml version="1.0" encoding="utf-8"?>
 <p:sld xmlns:a="http://schemas.openxmlformats.org/drawingml/2006/main" xmlns:r="http://schemas.openxmlformats.org/officeDocument/2006/relationships" xmlns:p="http://schemas.openxmlformats.org/presentationml/2006/main">
   <p:cSld>
@@ -4949,21 +5918,50 @@
         <p:spPr/>
         <p:txBody>
           <a:bodyPr>
-            <a:noAutofit/>
+            <a:normAutofit/>
           </a:bodyPr>
           <a:lstStyle/>
           <a:p>
             <a:r>
-              <a:rPr lang="en-US" sz="2000" b="1" dirty="0" err="1" smtClean="0"/>
-              <a:t>Conceptualise</a:t>
+              <a:rPr lang="en-US" sz="2000" b="1" dirty="0"/>
+              <a:t>Store</a:t>
+            </a:r>
+            <a:r>
+              <a:rPr lang="en-US" sz="2000" dirty="0"/>
+              <a:t>: Store the data in a secure manner adhering to relevant standards.</a:t>
+            </a:r>
+          </a:p>
+          <a:p>
+            <a:endParaRPr lang="en-US" sz="2000" b="1" dirty="0" smtClean="0"/>
+          </a:p>
+          <a:p>
+            <a:r>
+              <a:rPr lang="en-US" sz="2000" b="1" dirty="0" smtClean="0"/>
+              <a:t>Access</a:t>
+            </a:r>
+            <a:r>
+              <a:rPr lang="en-US" sz="2000" b="1" dirty="0"/>
+              <a:t>, Use and </a:t>
+            </a:r>
+            <a:r>
+              <a:rPr lang="en-US" sz="2000" b="1" dirty="0" smtClean="0"/>
+              <a:t>Reuse: </a:t>
             </a:r>
             <a:r>
               <a:rPr lang="en-US" sz="2000" dirty="0" smtClean="0"/>
-              <a:t>: Conceive </a:t>
+              <a:t>Ensure </a:t>
             </a:r>
             <a:r>
               <a:rPr lang="en-US" sz="2000" dirty="0"/>
-              <a:t>and plan the creation of data, including capture method and storage options.</a:t>
+              <a:t>that data is accessible to both designated users and </a:t>
+            </a:r>
+            <a:r>
+              <a:rPr lang="en-US" sz="2000" dirty="0" err="1"/>
+              <a:t>reusers</a:t>
+            </a:r>
+            <a:r>
+              <a:rPr lang="en-US" sz="2000" dirty="0"/>
+              <a:t>, on a day-to-day basis. This may be in the form of publicly available published information. Robust access controls and authentication procedures may be applicable.</a:t>
             </a:r>
           </a:p>
           <a:p>
@@ -4972,67 +5970,23 @@
           <a:p>
             <a:r>
               <a:rPr lang="en-US" sz="2000" b="1" dirty="0" smtClean="0"/>
+              <a:t>Transform: </a:t>
+            </a:r>
+            <a:r>
+              <a:rPr lang="en-US" sz="2000" dirty="0" smtClean="0"/>
               <a:t>Create </a:t>
             </a:r>
             <a:r>
-              <a:rPr lang="en-US" sz="2000" b="1" dirty="0"/>
-              <a:t>or </a:t>
-            </a:r>
-            <a:r>
-              <a:rPr lang="en-US" sz="2000" b="1" dirty="0" smtClean="0"/>
-              <a:t>Receive</a:t>
-            </a:r>
-            <a:r>
-              <a:rPr lang="en-US" sz="2000" dirty="0" smtClean="0"/>
-              <a:t>: Create </a:t>
-            </a:r>
-            <a:r>
               <a:rPr lang="en-US" sz="2000" dirty="0"/>
-              <a:t>data including administrative, descriptive, structural and technical metadata. Preservation metadata may also be added at the time of creation. Receive data, in accordance with documented collecting policies, from data creators, other archives, repositories or data </a:t>
-            </a:r>
-            <a:r>
-              <a:rPr lang="en-US" sz="2000" dirty="0" err="1"/>
-              <a:t>centres</a:t>
-            </a:r>
-            <a:r>
-              <a:rPr lang="en-US" sz="2000" dirty="0"/>
-              <a:t>, and if required assign appropriate metadata.</a:t>
-            </a:r>
-          </a:p>
-          <a:p>
-            <a:endParaRPr lang="en-US" sz="2000" dirty="0"/>
-          </a:p>
-          <a:p>
-            <a:r>
-              <a:rPr lang="en-US" sz="2000" b="1" dirty="0" smtClean="0"/>
-              <a:t>Appraise </a:t>
-            </a:r>
-            <a:r>
-              <a:rPr lang="en-US" sz="2000" b="1" dirty="0"/>
-              <a:t>and </a:t>
-            </a:r>
-            <a:r>
-              <a:rPr lang="en-US" sz="2000" b="1" dirty="0" smtClean="0"/>
-              <a:t>Select: </a:t>
-            </a:r>
-            <a:r>
-              <a:rPr lang="en-US" sz="2000" dirty="0" smtClean="0"/>
-              <a:t>Evaluate </a:t>
-            </a:r>
-            <a:r>
-              <a:rPr lang="en-US" sz="2000" dirty="0"/>
-              <a:t>data and select for long-term curation and preservation. Adhere to documented guidance, policies or legal requirements.</a:t>
-            </a:r>
-          </a:p>
-          <a:p>
-            <a:endParaRPr lang="en-US" sz="2000" dirty="0"/>
+              <a:t>new data from the original, for example: by migration into a different format, or by creating a subset, by selection or query, to create newly derived results, perhaps for publication</a:t>
+            </a:r>
           </a:p>
         </p:txBody>
       </p:sp>
     </p:spTree>
     <p:extLst>
       <p:ext uri="{BB962C8B-B14F-4D97-AF65-F5344CB8AC3E}">
-        <p14:creationId xmlns:p14="http://schemas.microsoft.com/office/powerpoint/2010/main" val="3251987550"/>
+        <p14:creationId xmlns:p14="http://schemas.microsoft.com/office/powerpoint/2010/main" val="347505531"/>
       </p:ext>
     </p:extLst>
   </p:cSld>
@@ -5124,15 +6078,7 @@
             </a:r>
             <a:r>
               <a:rPr lang="en-US" dirty="0" smtClean="0"/>
-              <a:t>(IDCC, </a:t>
-            </a:r>
-            <a:r>
-              <a:rPr lang="en-US" dirty="0" smtClean="0"/>
-              <a:t>2014</a:t>
-            </a:r>
-            <a:r>
-              <a:rPr lang="en-US" dirty="0" smtClean="0"/>
-              <a:t>)</a:t>
+              <a:t>(IDCC, 2014)</a:t>
             </a:r>
           </a:p>
           <a:p>
@@ -5166,253 +6112,6 @@
 </file>
 
 <file path=ppt/slides/slide20.xml><?xml version="1.0" encoding="utf-8"?>
-<p:sld xmlns:a="http://schemas.openxmlformats.org/drawingml/2006/main" xmlns:r="http://schemas.openxmlformats.org/officeDocument/2006/relationships" xmlns:p="http://schemas.openxmlformats.org/presentationml/2006/main">
-  <p:cSld>
-    <p:spTree>
-      <p:nvGrpSpPr>
-        <p:cNvPr id="1" name=""/>
-        <p:cNvGrpSpPr/>
-        <p:nvPr/>
-      </p:nvGrpSpPr>
-      <p:grpSpPr>
-        <a:xfrm>
-          <a:off x="0" y="0"/>
-          <a:ext cx="0" cy="0"/>
-          <a:chOff x="0" y="0"/>
-          <a:chExt cx="0" cy="0"/>
-        </a:xfrm>
-      </p:grpSpPr>
-      <p:sp>
-        <p:nvSpPr>
-          <p:cNvPr id="2" name="Title 1"/>
-          <p:cNvSpPr>
-            <a:spLocks noGrp="1"/>
-          </p:cNvSpPr>
-          <p:nvPr>
-            <p:ph type="title"/>
-          </p:nvPr>
-        </p:nvSpPr>
-        <p:spPr/>
-        <p:txBody>
-          <a:bodyPr/>
-          <a:lstStyle/>
-          <a:p>
-            <a:r>
-              <a:rPr lang="en-US" dirty="0" smtClean="0"/>
-              <a:t>Sequential Actions</a:t>
-            </a:r>
-            <a:endParaRPr lang="en-US" dirty="0"/>
-          </a:p>
-        </p:txBody>
-      </p:sp>
-      <p:sp>
-        <p:nvSpPr>
-          <p:cNvPr id="3" name="Content Placeholder 2"/>
-          <p:cNvSpPr>
-            <a:spLocks noGrp="1"/>
-          </p:cNvSpPr>
-          <p:nvPr>
-            <p:ph idx="1"/>
-          </p:nvPr>
-        </p:nvSpPr>
-        <p:spPr/>
-        <p:txBody>
-          <a:bodyPr>
-            <a:normAutofit/>
-          </a:bodyPr>
-          <a:lstStyle/>
-          <a:p>
-            <a:r>
-              <a:rPr lang="en-US" sz="2000" b="1" dirty="0" smtClean="0"/>
-              <a:t>Ingest: </a:t>
-            </a:r>
-            <a:r>
-              <a:rPr lang="en-US" sz="2000" dirty="0" smtClean="0"/>
-              <a:t>Transfer </a:t>
-            </a:r>
-            <a:r>
-              <a:rPr lang="en-US" sz="2000" dirty="0"/>
-              <a:t>data to an archive, repository, data </a:t>
-            </a:r>
-            <a:r>
-              <a:rPr lang="en-US" sz="2000" dirty="0" err="1"/>
-              <a:t>centre</a:t>
-            </a:r>
-            <a:r>
-              <a:rPr lang="en-US" sz="2000" dirty="0"/>
-              <a:t> or other custodian. Adhere to documented guidance, policies or legal requirements.</a:t>
-            </a:r>
-          </a:p>
-          <a:p>
-            <a:endParaRPr lang="en-US" sz="2000" dirty="0"/>
-          </a:p>
-          <a:p>
-            <a:r>
-              <a:rPr lang="en-US" sz="2000" b="1" dirty="0" smtClean="0"/>
-              <a:t>Preservation Action: </a:t>
-            </a:r>
-            <a:r>
-              <a:rPr lang="en-US" sz="2000" dirty="0" smtClean="0"/>
-              <a:t>Undertake </a:t>
-            </a:r>
-            <a:r>
-              <a:rPr lang="en-US" sz="2000" dirty="0"/>
-              <a:t>actions to ensure long-term preservation and retention of the authoritative nature of data. Preservation actions should ensure that data remains authentic, reliable and usable while maintaining its integrity. Actions include data cleaning, validation, assigning preservation metadata, assigning representation information and ensuring acceptable data structures or file formats.</a:t>
-            </a:r>
-          </a:p>
-          <a:p>
-            <a:endParaRPr lang="en-US" sz="2000" dirty="0"/>
-          </a:p>
-          <a:p>
-            <a:endParaRPr lang="en-US" sz="2000" dirty="0"/>
-          </a:p>
-        </p:txBody>
-      </p:sp>
-    </p:spTree>
-    <p:extLst>
-      <p:ext uri="{BB962C8B-B14F-4D97-AF65-F5344CB8AC3E}">
-        <p14:creationId xmlns:p14="http://schemas.microsoft.com/office/powerpoint/2010/main" val="347505531"/>
-      </p:ext>
-    </p:extLst>
-  </p:cSld>
-  <p:clrMapOvr>
-    <a:masterClrMapping/>
-  </p:clrMapOvr>
-</p:sld>
-</file>
-
-<file path=ppt/slides/slide21.xml><?xml version="1.0" encoding="utf-8"?>
-<p:sld xmlns:a="http://schemas.openxmlformats.org/drawingml/2006/main" xmlns:r="http://schemas.openxmlformats.org/officeDocument/2006/relationships" xmlns:p="http://schemas.openxmlformats.org/presentationml/2006/main">
-  <p:cSld>
-    <p:spTree>
-      <p:nvGrpSpPr>
-        <p:cNvPr id="1" name=""/>
-        <p:cNvGrpSpPr/>
-        <p:nvPr/>
-      </p:nvGrpSpPr>
-      <p:grpSpPr>
-        <a:xfrm>
-          <a:off x="0" y="0"/>
-          <a:ext cx="0" cy="0"/>
-          <a:chOff x="0" y="0"/>
-          <a:chExt cx="0" cy="0"/>
-        </a:xfrm>
-      </p:grpSpPr>
-      <p:sp>
-        <p:nvSpPr>
-          <p:cNvPr id="2" name="Title 1"/>
-          <p:cNvSpPr>
-            <a:spLocks noGrp="1"/>
-          </p:cNvSpPr>
-          <p:nvPr>
-            <p:ph type="title"/>
-          </p:nvPr>
-        </p:nvSpPr>
-        <p:spPr/>
-        <p:txBody>
-          <a:bodyPr/>
-          <a:lstStyle/>
-          <a:p>
-            <a:r>
-              <a:rPr lang="en-US" dirty="0" smtClean="0"/>
-              <a:t>Sequential Actions</a:t>
-            </a:r>
-            <a:endParaRPr lang="en-US" dirty="0"/>
-          </a:p>
-        </p:txBody>
-      </p:sp>
-      <p:sp>
-        <p:nvSpPr>
-          <p:cNvPr id="3" name="Content Placeholder 2"/>
-          <p:cNvSpPr>
-            <a:spLocks noGrp="1"/>
-          </p:cNvSpPr>
-          <p:nvPr>
-            <p:ph idx="1"/>
-          </p:nvPr>
-        </p:nvSpPr>
-        <p:spPr/>
-        <p:txBody>
-          <a:bodyPr>
-            <a:normAutofit/>
-          </a:bodyPr>
-          <a:lstStyle/>
-          <a:p>
-            <a:r>
-              <a:rPr lang="en-US" sz="2000" b="1" dirty="0"/>
-              <a:t>Store</a:t>
-            </a:r>
-            <a:r>
-              <a:rPr lang="en-US" sz="2000" dirty="0"/>
-              <a:t>: Store the data in a secure manner adhering to relevant standards.</a:t>
-            </a:r>
-          </a:p>
-          <a:p>
-            <a:endParaRPr lang="en-US" sz="2000" b="1" dirty="0" smtClean="0"/>
-          </a:p>
-          <a:p>
-            <a:r>
-              <a:rPr lang="en-US" sz="2000" b="1" dirty="0" smtClean="0"/>
-              <a:t>Access</a:t>
-            </a:r>
-            <a:r>
-              <a:rPr lang="en-US" sz="2000" b="1" dirty="0"/>
-              <a:t>, Use and </a:t>
-            </a:r>
-            <a:r>
-              <a:rPr lang="en-US" sz="2000" b="1" dirty="0" smtClean="0"/>
-              <a:t>Reuse: </a:t>
-            </a:r>
-            <a:r>
-              <a:rPr lang="en-US" sz="2000" dirty="0" smtClean="0"/>
-              <a:t>Ensure </a:t>
-            </a:r>
-            <a:r>
-              <a:rPr lang="en-US" sz="2000" dirty="0"/>
-              <a:t>that data is accessible to both designated users and </a:t>
-            </a:r>
-            <a:r>
-              <a:rPr lang="en-US" sz="2000" dirty="0" err="1"/>
-              <a:t>reusers</a:t>
-            </a:r>
-            <a:r>
-              <a:rPr lang="en-US" sz="2000" dirty="0"/>
-              <a:t>, on a day-to-day basis. This may be in the form of publicly available published information. Robust access controls and authentication procedures may be applicable.</a:t>
-            </a:r>
-          </a:p>
-          <a:p>
-            <a:endParaRPr lang="en-US" sz="2000" dirty="0"/>
-          </a:p>
-          <a:p>
-            <a:r>
-              <a:rPr lang="en-US" sz="2000" b="1" dirty="0" smtClean="0"/>
-              <a:t>Transform: </a:t>
-            </a:r>
-            <a:r>
-              <a:rPr lang="en-US" sz="2000" dirty="0" smtClean="0"/>
-              <a:t>Create </a:t>
-            </a:r>
-            <a:r>
-              <a:rPr lang="en-US" sz="2000" dirty="0"/>
-              <a:t>new data from the original, for example: by migration into a different format, or by creating a subset, by selection or query, to create newly derived results, perhaps for publication</a:t>
-            </a:r>
-          </a:p>
-        </p:txBody>
-      </p:sp>
-    </p:spTree>
-    <p:extLst>
-      <p:ext uri="{BB962C8B-B14F-4D97-AF65-F5344CB8AC3E}">
-        <p14:creationId xmlns:p14="http://schemas.microsoft.com/office/powerpoint/2010/main" val="347505531"/>
-      </p:ext>
-    </p:extLst>
-  </p:cSld>
-  <p:clrMapOvr>
-    <a:masterClrMapping/>
-  </p:clrMapOvr>
-</p:sld>
-</file>
-
-<file path=ppt/slides/slide22.xml><?xml version="1.0" encoding="utf-8"?>
 <p:sld xmlns:a="http://schemas.openxmlformats.org/drawingml/2006/main" xmlns:r="http://schemas.openxmlformats.org/officeDocument/2006/relationships" xmlns:p="http://schemas.openxmlformats.org/presentationml/2006/main">
   <p:cSld>
     <p:spTree>
@@ -5992,7 +6691,7 @@
 </p:sld>
 </file>
 
-<file path=ppt/slides/slide23.xml><?xml version="1.0" encoding="utf-8"?>
+<file path=ppt/slides/slide21.xml><?xml version="1.0" encoding="utf-8"?>
 <p:sld xmlns:a="http://schemas.openxmlformats.org/drawingml/2006/main" xmlns:r="http://schemas.openxmlformats.org/officeDocument/2006/relationships" xmlns:p="http://schemas.openxmlformats.org/presentationml/2006/main">
   <p:cSld>
     <p:spTree>
@@ -6133,7 +6832,7 @@
 </p:sld>
 </file>
 
-<file path=ppt/slides/slide24.xml><?xml version="1.0" encoding="utf-8"?>
+<file path=ppt/slides/slide22.xml><?xml version="1.0" encoding="utf-8"?>
 <p:sld xmlns:a="http://schemas.openxmlformats.org/drawingml/2006/main" xmlns:r="http://schemas.openxmlformats.org/officeDocument/2006/relationships" xmlns:p="http://schemas.openxmlformats.org/presentationml/2006/main">
   <p:cSld>
     <p:spTree>
@@ -6796,6 +7495,212 @@
 </p:sld>
 </file>
 
+<file path=ppt/slides/slide23.xml><?xml version="1.0" encoding="utf-8"?>
+<p:sld xmlns:a="http://schemas.openxmlformats.org/drawingml/2006/main" xmlns:r="http://schemas.openxmlformats.org/officeDocument/2006/relationships" xmlns:p="http://schemas.openxmlformats.org/presentationml/2006/main">
+  <p:cSld>
+    <p:spTree>
+      <p:nvGrpSpPr>
+        <p:cNvPr id="1" name=""/>
+        <p:cNvGrpSpPr/>
+        <p:nvPr/>
+      </p:nvGrpSpPr>
+      <p:grpSpPr>
+        <a:xfrm>
+          <a:off x="0" y="0"/>
+          <a:ext cx="0" cy="0"/>
+          <a:chOff x="0" y="0"/>
+          <a:chExt cx="0" cy="0"/>
+        </a:xfrm>
+      </p:grpSpPr>
+      <p:sp>
+        <p:nvSpPr>
+          <p:cNvPr id="2" name="Title 1"/>
+          <p:cNvSpPr>
+            <a:spLocks noGrp="1"/>
+          </p:cNvSpPr>
+          <p:nvPr>
+            <p:ph type="title"/>
+          </p:nvPr>
+        </p:nvSpPr>
+        <p:spPr/>
+        <p:txBody>
+          <a:bodyPr/>
+          <a:lstStyle/>
+          <a:p>
+            <a:r>
+              <a:rPr lang="en-US" dirty="0" smtClean="0"/>
+              <a:t>DCC model</a:t>
+            </a:r>
+            <a:endParaRPr lang="en-US" dirty="0"/>
+          </a:p>
+        </p:txBody>
+      </p:sp>
+      <p:sp>
+        <p:nvSpPr>
+          <p:cNvPr id="3" name="Content Placeholder 2"/>
+          <p:cNvSpPr>
+            <a:spLocks noGrp="1"/>
+          </p:cNvSpPr>
+          <p:nvPr>
+            <p:ph idx="1"/>
+          </p:nvPr>
+        </p:nvSpPr>
+        <p:spPr/>
+        <p:txBody>
+          <a:bodyPr>
+            <a:normAutofit fontScale="92500" lnSpcReduction="20000"/>
+          </a:bodyPr>
+          <a:lstStyle/>
+          <a:p>
+            <a:r>
+              <a:rPr lang="en-US" dirty="0" smtClean="0"/>
+              <a:t>Pros: </a:t>
+            </a:r>
+          </a:p>
+          <a:p>
+            <a:pPr lvl="1"/>
+            <a:r>
+              <a:rPr lang="en-US" dirty="0" smtClean="0"/>
+              <a:t>Remains library/archive focused while also representing earlier stages of data work</a:t>
+            </a:r>
+          </a:p>
+          <a:p>
+            <a:pPr lvl="1"/>
+            <a:r>
+              <a:rPr lang="en-US" dirty="0" smtClean="0"/>
+              <a:t>Generalized without being too </a:t>
+            </a:r>
+            <a:r>
+              <a:rPr lang="en-US" dirty="0" smtClean="0"/>
+              <a:t>broad</a:t>
+            </a:r>
+          </a:p>
+          <a:p>
+            <a:pPr lvl="1"/>
+            <a:r>
+              <a:rPr lang="en-US" dirty="0" smtClean="0"/>
+              <a:t>Great for administrators – comprehensive way of showing what you want to do</a:t>
+            </a:r>
+            <a:endParaRPr lang="en-US" dirty="0" smtClean="0"/>
+          </a:p>
+          <a:p>
+            <a:r>
+              <a:rPr lang="en-US" dirty="0" smtClean="0"/>
+              <a:t>Cons:</a:t>
+            </a:r>
+          </a:p>
+          <a:p>
+            <a:pPr lvl="1"/>
+            <a:r>
+              <a:rPr lang="en-US" dirty="0" smtClean="0"/>
+              <a:t>Domain scientists/researchers tend to hate this model (it’s confusing)</a:t>
+            </a:r>
+          </a:p>
+          <a:p>
+            <a:pPr lvl="1"/>
+            <a:r>
+              <a:rPr lang="en-US" dirty="0" smtClean="0"/>
+              <a:t>Still does not represent full range of research activities prior to </a:t>
+            </a:r>
+            <a:r>
+              <a:rPr lang="en-US" dirty="0" err="1" smtClean="0"/>
+              <a:t>datawork</a:t>
+            </a:r>
+            <a:endParaRPr lang="en-US" dirty="0" smtClean="0"/>
+          </a:p>
+          <a:p>
+            <a:endParaRPr lang="en-US" dirty="0" smtClean="0"/>
+          </a:p>
+          <a:p>
+            <a:endParaRPr lang="en-US" dirty="0"/>
+          </a:p>
+        </p:txBody>
+      </p:sp>
+    </p:spTree>
+    <p:extLst>
+      <p:ext uri="{BB962C8B-B14F-4D97-AF65-F5344CB8AC3E}">
+        <p14:creationId xmlns:p14="http://schemas.microsoft.com/office/powerpoint/2010/main" val="1328345668"/>
+      </p:ext>
+    </p:extLst>
+  </p:cSld>
+  <p:clrMapOvr>
+    <a:masterClrMapping/>
+  </p:clrMapOvr>
+</p:sld>
+</file>
+
+<file path=ppt/slides/slide24.xml><?xml version="1.0" encoding="utf-8"?>
+<p:sld xmlns:a="http://schemas.openxmlformats.org/drawingml/2006/main" xmlns:r="http://schemas.openxmlformats.org/officeDocument/2006/relationships" xmlns:p="http://schemas.openxmlformats.org/presentationml/2006/main">
+  <p:cSld>
+    <p:spTree>
+      <p:nvGrpSpPr>
+        <p:cNvPr id="1" name=""/>
+        <p:cNvGrpSpPr/>
+        <p:nvPr/>
+      </p:nvGrpSpPr>
+      <p:grpSpPr>
+        <a:xfrm>
+          <a:off x="0" y="0"/>
+          <a:ext cx="0" cy="0"/>
+          <a:chOff x="0" y="0"/>
+          <a:chExt cx="0" cy="0"/>
+        </a:xfrm>
+      </p:grpSpPr>
+      <p:sp>
+        <p:nvSpPr>
+          <p:cNvPr id="2" name="Title 1"/>
+          <p:cNvSpPr>
+            <a:spLocks noGrp="1"/>
+          </p:cNvSpPr>
+          <p:nvPr>
+            <p:ph type="title"/>
+          </p:nvPr>
+        </p:nvSpPr>
+        <p:spPr/>
+        <p:txBody>
+          <a:bodyPr/>
+          <a:lstStyle/>
+          <a:p>
+            <a:endParaRPr lang="en-US"/>
+          </a:p>
+        </p:txBody>
+      </p:sp>
+      <p:sp>
+        <p:nvSpPr>
+          <p:cNvPr id="3" name="Content Placeholder 2"/>
+          <p:cNvSpPr>
+            <a:spLocks noGrp="1"/>
+          </p:cNvSpPr>
+          <p:nvPr>
+            <p:ph idx="1"/>
+          </p:nvPr>
+        </p:nvSpPr>
+        <p:spPr/>
+        <p:txBody>
+          <a:bodyPr/>
+          <a:lstStyle/>
+          <a:p>
+            <a:r>
+              <a:rPr lang="en-US" dirty="0" smtClean="0"/>
+              <a:t>DCC model in action</a:t>
+            </a:r>
+            <a:endParaRPr lang="en-US" dirty="0"/>
+          </a:p>
+        </p:txBody>
+      </p:sp>
+    </p:spTree>
+    <p:extLst>
+      <p:ext uri="{BB962C8B-B14F-4D97-AF65-F5344CB8AC3E}">
+        <p14:creationId xmlns:p14="http://schemas.microsoft.com/office/powerpoint/2010/main" val="1282155815"/>
+      </p:ext>
+    </p:extLst>
+  </p:cSld>
+  <p:clrMapOvr>
+    <a:masterClrMapping/>
+  </p:clrMapOvr>
+</p:sld>
+</file>
+
 <file path=ppt/slides/slide25.xml><?xml version="1.0" encoding="utf-8"?>
 <p:sld xmlns:a="http://schemas.openxmlformats.org/drawingml/2006/main" xmlns:r="http://schemas.openxmlformats.org/officeDocument/2006/relationships" xmlns:p="http://schemas.openxmlformats.org/presentationml/2006/main">
   <p:cSld>
@@ -6829,126 +7734,6 @@
           <a:lstStyle/>
           <a:p>
             <a:r>
-              <a:rPr lang="en-US" dirty="0" smtClean="0"/>
-              <a:t>DCC model</a:t>
-            </a:r>
-            <a:endParaRPr lang="en-US" dirty="0"/>
-          </a:p>
-        </p:txBody>
-      </p:sp>
-      <p:sp>
-        <p:nvSpPr>
-          <p:cNvPr id="3" name="Content Placeholder 2"/>
-          <p:cNvSpPr>
-            <a:spLocks noGrp="1"/>
-          </p:cNvSpPr>
-          <p:nvPr>
-            <p:ph idx="1"/>
-          </p:nvPr>
-        </p:nvSpPr>
-        <p:spPr/>
-        <p:txBody>
-          <a:bodyPr/>
-          <a:lstStyle/>
-          <a:p>
-            <a:r>
-              <a:rPr lang="en-US" dirty="0" smtClean="0"/>
-              <a:t>Pros: </a:t>
-            </a:r>
-          </a:p>
-          <a:p>
-            <a:pPr lvl="1"/>
-            <a:r>
-              <a:rPr lang="en-US" dirty="0" smtClean="0"/>
-              <a:t>Remains library/archive focused while also representing earlier stages of data work</a:t>
-            </a:r>
-          </a:p>
-          <a:p>
-            <a:pPr lvl="1"/>
-            <a:r>
-              <a:rPr lang="en-US" dirty="0" smtClean="0"/>
-              <a:t>Generalized without being too broad</a:t>
-            </a:r>
-          </a:p>
-          <a:p>
-            <a:r>
-              <a:rPr lang="en-US" dirty="0" smtClean="0"/>
-              <a:t>Cons:</a:t>
-            </a:r>
-          </a:p>
-          <a:p>
-            <a:pPr lvl="1"/>
-            <a:r>
-              <a:rPr lang="en-US" dirty="0" smtClean="0"/>
-              <a:t>Domain scientists/researchers tend to hate this model (it’s confusing)</a:t>
-            </a:r>
-          </a:p>
-          <a:p>
-            <a:pPr lvl="1"/>
-            <a:r>
-              <a:rPr lang="en-US" dirty="0" smtClean="0"/>
-              <a:t>Still does not represent full range of research activities prior to </a:t>
-            </a:r>
-            <a:r>
-              <a:rPr lang="en-US" dirty="0" err="1" smtClean="0"/>
-              <a:t>datawork</a:t>
-            </a:r>
-            <a:endParaRPr lang="en-US" dirty="0" smtClean="0"/>
-          </a:p>
-          <a:p>
-            <a:endParaRPr lang="en-US" dirty="0" smtClean="0"/>
-          </a:p>
-          <a:p>
-            <a:endParaRPr lang="en-US" dirty="0"/>
-          </a:p>
-        </p:txBody>
-      </p:sp>
-    </p:spTree>
-    <p:extLst>
-      <p:ext uri="{BB962C8B-B14F-4D97-AF65-F5344CB8AC3E}">
-        <p14:creationId xmlns:p14="http://schemas.microsoft.com/office/powerpoint/2010/main" val="1328345668"/>
-      </p:ext>
-    </p:extLst>
-  </p:cSld>
-  <p:clrMapOvr>
-    <a:masterClrMapping/>
-  </p:clrMapOvr>
-</p:sld>
-</file>
-
-<file path=ppt/slides/slide26.xml><?xml version="1.0" encoding="utf-8"?>
-<p:sld xmlns:a="http://schemas.openxmlformats.org/drawingml/2006/main" xmlns:r="http://schemas.openxmlformats.org/officeDocument/2006/relationships" xmlns:p="http://schemas.openxmlformats.org/presentationml/2006/main">
-  <p:cSld>
-    <p:spTree>
-      <p:nvGrpSpPr>
-        <p:cNvPr id="1" name=""/>
-        <p:cNvGrpSpPr/>
-        <p:nvPr/>
-      </p:nvGrpSpPr>
-      <p:grpSpPr>
-        <a:xfrm>
-          <a:off x="0" y="0"/>
-          <a:ext cx="0" cy="0"/>
-          <a:chOff x="0" y="0"/>
-          <a:chExt cx="0" cy="0"/>
-        </a:xfrm>
-      </p:grpSpPr>
-      <p:sp>
-        <p:nvSpPr>
-          <p:cNvPr id="2" name="Title 1"/>
-          <p:cNvSpPr>
-            <a:spLocks noGrp="1"/>
-          </p:cNvSpPr>
-          <p:nvPr>
-            <p:ph type="title"/>
-          </p:nvPr>
-        </p:nvSpPr>
-        <p:spPr/>
-        <p:txBody>
-          <a:bodyPr/>
-          <a:lstStyle/>
-          <a:p>
-            <a:r>
               <a:rPr lang="en-US" dirty="0" err="1" smtClean="0"/>
               <a:t>DataOne</a:t>
             </a:r>
@@ -6971,7 +7756,7 @@
           </p:nvPr>
         </p:nvPicPr>
         <p:blipFill>
-          <a:blip r:embed="rId2"/>
+          <a:blip r:embed="rId3"/>
           <a:srcRect t="-11322" b="-11322"/>
           <a:stretch>
             <a:fillRect/>
@@ -6983,280 +7768,6 @@
     <p:extLst>
       <p:ext uri="{BB962C8B-B14F-4D97-AF65-F5344CB8AC3E}">
         <p14:creationId xmlns:p14="http://schemas.microsoft.com/office/powerpoint/2010/main" val="931500489"/>
-      </p:ext>
-    </p:extLst>
-  </p:cSld>
-  <p:clrMapOvr>
-    <a:masterClrMapping/>
-  </p:clrMapOvr>
-</p:sld>
-</file>
-
-<file path=ppt/slides/slide27.xml><?xml version="1.0" encoding="utf-8"?>
-<p:sld xmlns:a="http://schemas.openxmlformats.org/drawingml/2006/main" xmlns:r="http://schemas.openxmlformats.org/officeDocument/2006/relationships" xmlns:p="http://schemas.openxmlformats.org/presentationml/2006/main">
-  <p:cSld>
-    <p:spTree>
-      <p:nvGrpSpPr>
-        <p:cNvPr id="1" name=""/>
-        <p:cNvGrpSpPr/>
-        <p:nvPr/>
-      </p:nvGrpSpPr>
-      <p:grpSpPr>
-        <a:xfrm>
-          <a:off x="0" y="0"/>
-          <a:ext cx="0" cy="0"/>
-          <a:chOff x="0" y="0"/>
-          <a:chExt cx="0" cy="0"/>
-        </a:xfrm>
-      </p:grpSpPr>
-      <p:sp>
-        <p:nvSpPr>
-          <p:cNvPr id="2" name="Title 1"/>
-          <p:cNvSpPr>
-            <a:spLocks noGrp="1"/>
-          </p:cNvSpPr>
-          <p:nvPr>
-            <p:ph type="ctrTitle"/>
-          </p:nvPr>
-        </p:nvSpPr>
-        <p:spPr>
-          <a:xfrm>
-            <a:off x="685800" y="2314773"/>
-            <a:ext cx="7772400" cy="1470025"/>
-          </a:xfrm>
-        </p:spPr>
-        <p:txBody>
-          <a:bodyPr>
-            <a:normAutofit/>
-          </a:bodyPr>
-          <a:lstStyle/>
-          <a:p>
-            <a:r>
-              <a:rPr lang="en-US" b="1" dirty="0" smtClean="0"/>
-              <a:t>SBDC workflow</a:t>
-            </a:r>
-            <a:endParaRPr lang="en-US" dirty="0"/>
-          </a:p>
-        </p:txBody>
-      </p:sp>
-      <p:pic>
-        <p:nvPicPr>
-          <p:cNvPr id="5" name="Picture 4" descr="DCWS_Banner.jpg"/>
-          <p:cNvPicPr>
-            <a:picLocks noChangeAspect="1"/>
-          </p:cNvPicPr>
-          <p:nvPr/>
-        </p:nvPicPr>
-        <p:blipFill>
-          <a:blip r:embed="rId2">
-            <a:extLst>
-              <a:ext uri="{28A0092B-C50C-407E-A947-70E740481C1C}">
-                <a14:useLocalDpi xmlns:a14="http://schemas.microsoft.com/office/drawing/2010/main" val="0"/>
-              </a:ext>
-            </a:extLst>
-          </a:blip>
-          <a:stretch>
-            <a:fillRect/>
-          </a:stretch>
-        </p:blipFill>
-        <p:spPr>
-          <a:xfrm>
-            <a:off x="0" y="5769782"/>
-            <a:ext cx="9144000" cy="1088218"/>
-          </a:xfrm>
-          <a:prstGeom prst="rect">
-            <a:avLst/>
-          </a:prstGeom>
-        </p:spPr>
-      </p:pic>
-    </p:spTree>
-    <p:extLst>
-      <p:ext uri="{BB962C8B-B14F-4D97-AF65-F5344CB8AC3E}">
-        <p14:creationId xmlns:p14="http://schemas.microsoft.com/office/powerpoint/2010/main" val="73334351"/>
-      </p:ext>
-    </p:extLst>
-  </p:cSld>
-  <p:clrMapOvr>
-    <a:masterClrMapping/>
-  </p:clrMapOvr>
-  <p:timing>
-    <p:tnLst>
-      <p:par>
-        <p:cTn xmlns:p14="http://schemas.microsoft.com/office/powerpoint/2010/main" id="1" dur="indefinite" restart="never" nodeType="tmRoot"/>
-      </p:par>
-    </p:tnLst>
-  </p:timing>
-</p:sld>
-</file>
-
-<file path=ppt/slides/slide28.xml><?xml version="1.0" encoding="utf-8"?>
-<p:sld xmlns:a="http://schemas.openxmlformats.org/drawingml/2006/main" xmlns:r="http://schemas.openxmlformats.org/officeDocument/2006/relationships" xmlns:p="http://schemas.openxmlformats.org/presentationml/2006/main">
-  <p:cSld>
-    <p:spTree>
-      <p:nvGrpSpPr>
-        <p:cNvPr id="1" name=""/>
-        <p:cNvGrpSpPr/>
-        <p:nvPr/>
-      </p:nvGrpSpPr>
-      <p:grpSpPr>
-        <a:xfrm>
-          <a:off x="0" y="0"/>
-          <a:ext cx="0" cy="0"/>
-          <a:chOff x="0" y="0"/>
-          <a:chExt cx="0" cy="0"/>
-        </a:xfrm>
-      </p:grpSpPr>
-      <p:sp>
-        <p:nvSpPr>
-          <p:cNvPr id="2" name="Title 1"/>
-          <p:cNvSpPr>
-            <a:spLocks noGrp="1"/>
-          </p:cNvSpPr>
-          <p:nvPr>
-            <p:ph type="title"/>
-          </p:nvPr>
-        </p:nvSpPr>
-        <p:spPr/>
-        <p:txBody>
-          <a:bodyPr/>
-          <a:lstStyle/>
-          <a:p>
-            <a:r>
-              <a:rPr lang="en-US" dirty="0" smtClean="0"/>
-              <a:t>SBDC workflow</a:t>
-            </a:r>
-            <a:endParaRPr lang="en-US" dirty="0"/>
-          </a:p>
-        </p:txBody>
-      </p:sp>
-      <p:sp>
-        <p:nvSpPr>
-          <p:cNvPr id="3" name="Content Placeholder 2"/>
-          <p:cNvSpPr>
-            <a:spLocks noGrp="1"/>
-          </p:cNvSpPr>
-          <p:nvPr>
-            <p:ph idx="1"/>
-          </p:nvPr>
-        </p:nvSpPr>
-        <p:spPr/>
-        <p:txBody>
-          <a:bodyPr/>
-          <a:lstStyle/>
-          <a:p>
-            <a:r>
-              <a:rPr lang="en-US" dirty="0" smtClean="0"/>
-              <a:t>Goal: to represent a very specific workflow as a way of identifying</a:t>
-            </a:r>
-          </a:p>
-          <a:p>
-            <a:pPr lvl="1"/>
-            <a:r>
-              <a:rPr lang="en-US" dirty="0" smtClean="0"/>
-              <a:t>Important data products for preservation</a:t>
-            </a:r>
-          </a:p>
-          <a:p>
-            <a:pPr lvl="1"/>
-            <a:r>
-              <a:rPr lang="en-US" dirty="0" smtClean="0"/>
-              <a:t>Links between data products</a:t>
-            </a:r>
-          </a:p>
-          <a:p>
-            <a:pPr lvl="1"/>
-            <a:r>
-              <a:rPr lang="en-US" dirty="0" smtClean="0"/>
-              <a:t>Points for future curatorial intervention</a:t>
-            </a:r>
-          </a:p>
-          <a:p>
-            <a:r>
-              <a:rPr lang="en-US" dirty="0" smtClean="0"/>
-              <a:t>6 stages in this case: Planning, Fieldwork, Processing and Analysis, Data Assessment, Standardizing, Packaging</a:t>
-            </a:r>
-            <a:endParaRPr lang="en-US" dirty="0"/>
-          </a:p>
-        </p:txBody>
-      </p:sp>
-    </p:spTree>
-    <p:extLst>
-      <p:ext uri="{BB962C8B-B14F-4D97-AF65-F5344CB8AC3E}">
-        <p14:creationId xmlns:p14="http://schemas.microsoft.com/office/powerpoint/2010/main" val="1114851538"/>
-      </p:ext>
-    </p:extLst>
-  </p:cSld>
-  <p:clrMapOvr>
-    <a:masterClrMapping/>
-  </p:clrMapOvr>
-</p:sld>
-</file>
-
-<file path=ppt/slides/slide29.xml><?xml version="1.0" encoding="utf-8"?>
-<p:sld xmlns:a="http://schemas.openxmlformats.org/drawingml/2006/main" xmlns:r="http://schemas.openxmlformats.org/officeDocument/2006/relationships" xmlns:p="http://schemas.openxmlformats.org/presentationml/2006/main">
-  <p:cSld>
-    <p:spTree>
-      <p:nvGrpSpPr>
-        <p:cNvPr id="1" name=""/>
-        <p:cNvGrpSpPr/>
-        <p:nvPr/>
-      </p:nvGrpSpPr>
-      <p:grpSpPr>
-        <a:xfrm>
-          <a:off x="0" y="0"/>
-          <a:ext cx="0" cy="0"/>
-          <a:chOff x="0" y="0"/>
-          <a:chExt cx="0" cy="0"/>
-        </a:xfrm>
-      </p:grpSpPr>
-      <p:sp>
-        <p:nvSpPr>
-          <p:cNvPr id="2" name="Title 1"/>
-          <p:cNvSpPr>
-            <a:spLocks noGrp="1"/>
-          </p:cNvSpPr>
-          <p:nvPr>
-            <p:ph type="title"/>
-          </p:nvPr>
-        </p:nvSpPr>
-        <p:spPr/>
-        <p:txBody>
-          <a:bodyPr/>
-          <a:lstStyle/>
-          <a:p>
-            <a:endParaRPr lang="en-US"/>
-          </a:p>
-        </p:txBody>
-      </p:sp>
-      <p:sp>
-        <p:nvSpPr>
-          <p:cNvPr id="3" name="Content Placeholder 2"/>
-          <p:cNvSpPr>
-            <a:spLocks noGrp="1"/>
-          </p:cNvSpPr>
-          <p:nvPr>
-            <p:ph idx="1"/>
-          </p:nvPr>
-        </p:nvSpPr>
-        <p:spPr/>
-        <p:txBody>
-          <a:bodyPr/>
-          <a:lstStyle/>
-          <a:p>
-            <a:r>
-              <a:rPr lang="en-US" dirty="0" smtClean="0"/>
-              <a:t>Data products here</a:t>
-            </a:r>
-          </a:p>
-          <a:p>
-            <a:endParaRPr lang="en-US" dirty="0"/>
-          </a:p>
-        </p:txBody>
-      </p:sp>
-    </p:spTree>
-    <p:extLst>
-      <p:ext uri="{BB962C8B-B14F-4D97-AF65-F5344CB8AC3E}">
-        <p14:creationId xmlns:p14="http://schemas.microsoft.com/office/powerpoint/2010/main" val="2994517975"/>
       </p:ext>
     </p:extLst>
   </p:cSld>
@@ -7295,250 +7806,42 @@
         </p:nvSpPr>
         <p:spPr/>
         <p:txBody>
+          <a:bodyPr>
+            <a:normAutofit fontScale="90000"/>
+          </a:bodyPr>
+          <a:lstStyle/>
+          <a:p>
+            <a:r>
+              <a:rPr lang="en-US" dirty="0" smtClean="0"/>
+              <a:t>A way of generalizing provenance</a:t>
+            </a:r>
+            <a:endParaRPr lang="en-US" dirty="0"/>
+          </a:p>
+        </p:txBody>
+      </p:sp>
+      <p:sp>
+        <p:nvSpPr>
+          <p:cNvPr id="3" name="Content Placeholder 2"/>
+          <p:cNvSpPr>
+            <a:spLocks noGrp="1"/>
+          </p:cNvSpPr>
+          <p:nvPr>
+            <p:ph idx="1"/>
+          </p:nvPr>
+        </p:nvSpPr>
+        <p:spPr/>
+        <p:txBody>
           <a:bodyPr/>
           <a:lstStyle/>
           <a:p>
-            <a:r>
-              <a:rPr lang="en-US" dirty="0" smtClean="0"/>
-              <a:t>Why lifecycles?</a:t>
-            </a:r>
             <a:endParaRPr lang="en-US" dirty="0"/>
-          </a:p>
-        </p:txBody>
-      </p:sp>
-      <p:sp>
-        <p:nvSpPr>
-          <p:cNvPr id="3" name="Content Placeholder 2"/>
-          <p:cNvSpPr>
-            <a:spLocks noGrp="1"/>
-          </p:cNvSpPr>
-          <p:nvPr>
-            <p:ph idx="1"/>
-          </p:nvPr>
-        </p:nvSpPr>
-        <p:spPr/>
-        <p:txBody>
-          <a:bodyPr>
-            <a:noAutofit/>
-          </a:bodyPr>
-          <a:lstStyle/>
-          <a:p>
-            <a:r>
-              <a:rPr lang="en-US" sz="2500" dirty="0" smtClean="0"/>
-              <a:t>Digital </a:t>
-            </a:r>
-            <a:r>
-              <a:rPr lang="en-US" sz="2500" dirty="0"/>
-              <a:t>materials are fragile and susceptible to change from technological advances throughout their life cycle, i.e. from creation onwards;</a:t>
-            </a:r>
-          </a:p>
-          <a:p>
-            <a:r>
-              <a:rPr lang="en-US" sz="2500" dirty="0" smtClean="0"/>
-              <a:t>Activities </a:t>
-            </a:r>
-            <a:r>
-              <a:rPr lang="en-US" sz="2500" dirty="0"/>
-              <a:t>(or lack of) at each stage in the life cycle directly influence our ability to manage and preserve digital materials in subsequent stages;</a:t>
-            </a:r>
-          </a:p>
-          <a:p>
-            <a:r>
-              <a:rPr lang="en-US" sz="2500" dirty="0" smtClean="0"/>
-              <a:t>Reliable </a:t>
-            </a:r>
-            <a:r>
-              <a:rPr lang="en-US" sz="2500" dirty="0"/>
-              <a:t>re-use of digital materials is only possible if materials are curated in such a way that their authenticity and integrity are retained.  </a:t>
-            </a:r>
-            <a:endParaRPr lang="en-US" sz="2500" dirty="0" smtClean="0"/>
-          </a:p>
-          <a:p>
-            <a:pPr marL="0" indent="0" algn="r">
-              <a:buNone/>
-            </a:pPr>
-            <a:r>
-              <a:rPr lang="en-US" sz="2500" dirty="0" smtClean="0"/>
-              <a:t>-- (</a:t>
-            </a:r>
-            <a:r>
-              <a:rPr lang="en-US" sz="2500" dirty="0" err="1"/>
-              <a:t>Pennock</a:t>
-            </a:r>
-            <a:r>
-              <a:rPr lang="en-US" sz="2500" dirty="0"/>
-              <a:t>, 2007)</a:t>
-            </a:r>
           </a:p>
         </p:txBody>
       </p:sp>
     </p:spTree>
     <p:extLst>
       <p:ext uri="{BB962C8B-B14F-4D97-AF65-F5344CB8AC3E}">
-        <p14:creationId xmlns:p14="http://schemas.microsoft.com/office/powerpoint/2010/main" val="3280661013"/>
-      </p:ext>
-    </p:extLst>
-  </p:cSld>
-  <p:clrMapOvr>
-    <a:masterClrMapping/>
-  </p:clrMapOvr>
-</p:sld>
-</file>
-
-<file path=ppt/slides/slide30.xml><?xml version="1.0" encoding="utf-8"?>
-<p:sld xmlns:a="http://schemas.openxmlformats.org/drawingml/2006/main" xmlns:r="http://schemas.openxmlformats.org/officeDocument/2006/relationships" xmlns:p="http://schemas.openxmlformats.org/presentationml/2006/main">
-  <p:cSld>
-    <p:spTree>
-      <p:nvGrpSpPr>
-        <p:cNvPr id="1" name=""/>
-        <p:cNvGrpSpPr/>
-        <p:nvPr/>
-      </p:nvGrpSpPr>
-      <p:grpSpPr>
-        <a:xfrm>
-          <a:off x="0" y="0"/>
-          <a:ext cx="0" cy="0"/>
-          <a:chOff x="0" y="0"/>
-          <a:chExt cx="0" cy="0"/>
-        </a:xfrm>
-      </p:grpSpPr>
-      <p:sp>
-        <p:nvSpPr>
-          <p:cNvPr id="2" name="Title 1"/>
-          <p:cNvSpPr>
-            <a:spLocks noGrp="1"/>
-          </p:cNvSpPr>
-          <p:nvPr>
-            <p:ph type="title"/>
-          </p:nvPr>
-        </p:nvSpPr>
-        <p:spPr/>
-        <p:txBody>
-          <a:bodyPr/>
-          <a:lstStyle/>
-          <a:p>
-            <a:endParaRPr lang="en-US"/>
-          </a:p>
-        </p:txBody>
-      </p:sp>
-      <p:sp>
-        <p:nvSpPr>
-          <p:cNvPr id="3" name="Content Placeholder 2"/>
-          <p:cNvSpPr>
-            <a:spLocks noGrp="1"/>
-          </p:cNvSpPr>
-          <p:nvPr>
-            <p:ph idx="1"/>
-          </p:nvPr>
-        </p:nvSpPr>
-        <p:spPr/>
-        <p:txBody>
-          <a:bodyPr/>
-          <a:lstStyle/>
-          <a:p>
-            <a:r>
-              <a:rPr lang="en-US" dirty="0" smtClean="0"/>
-              <a:t>Workflow here</a:t>
-            </a:r>
-            <a:endParaRPr lang="en-US" dirty="0"/>
-          </a:p>
-        </p:txBody>
-      </p:sp>
-    </p:spTree>
-    <p:extLst>
-      <p:ext uri="{BB962C8B-B14F-4D97-AF65-F5344CB8AC3E}">
-        <p14:creationId xmlns:p14="http://schemas.microsoft.com/office/powerpoint/2010/main" val="3003278457"/>
-      </p:ext>
-    </p:extLst>
-  </p:cSld>
-  <p:clrMapOvr>
-    <a:masterClrMapping/>
-  </p:clrMapOvr>
-</p:sld>
-</file>
-
-<file path=ppt/slides/slide31.xml><?xml version="1.0" encoding="utf-8"?>
-<p:sld xmlns:a="http://schemas.openxmlformats.org/drawingml/2006/main" xmlns:r="http://schemas.openxmlformats.org/officeDocument/2006/relationships" xmlns:p="http://schemas.openxmlformats.org/presentationml/2006/main">
-  <p:cSld>
-    <p:spTree>
-      <p:nvGrpSpPr>
-        <p:cNvPr id="1" name=""/>
-        <p:cNvGrpSpPr/>
-        <p:nvPr/>
-      </p:nvGrpSpPr>
-      <p:grpSpPr>
-        <a:xfrm>
-          <a:off x="0" y="0"/>
-          <a:ext cx="0" cy="0"/>
-          <a:chOff x="0" y="0"/>
-          <a:chExt cx="0" cy="0"/>
-        </a:xfrm>
-      </p:grpSpPr>
-      <p:sp>
-        <p:nvSpPr>
-          <p:cNvPr id="2" name="Title 1"/>
-          <p:cNvSpPr>
-            <a:spLocks noGrp="1"/>
-          </p:cNvSpPr>
-          <p:nvPr>
-            <p:ph type="title"/>
-          </p:nvPr>
-        </p:nvSpPr>
-        <p:spPr/>
-        <p:txBody>
-          <a:bodyPr>
-            <a:normAutofit fontScale="90000"/>
-          </a:bodyPr>
-          <a:lstStyle/>
-          <a:p>
-            <a:r>
-              <a:rPr lang="en-US" dirty="0" smtClean="0"/>
-              <a:t>Workflow documentation as a curatorial tool</a:t>
-            </a:r>
-            <a:endParaRPr lang="en-US" dirty="0"/>
-          </a:p>
-        </p:txBody>
-      </p:sp>
-      <p:sp>
-        <p:nvSpPr>
-          <p:cNvPr id="3" name="Content Placeholder 2"/>
-          <p:cNvSpPr>
-            <a:spLocks noGrp="1"/>
-          </p:cNvSpPr>
-          <p:nvPr>
-            <p:ph idx="1"/>
-          </p:nvPr>
-        </p:nvSpPr>
-        <p:spPr/>
-        <p:txBody>
-          <a:bodyPr/>
-          <a:lstStyle/>
-          <a:p>
-            <a:r>
-              <a:rPr lang="en-US" dirty="0" smtClean="0"/>
-              <a:t>While this is very specific to our case, workflow documentation as a method may be helpful for those working with a very specific community, research group, or lab</a:t>
-            </a:r>
-          </a:p>
-          <a:p>
-            <a:r>
-              <a:rPr lang="en-US" dirty="0" smtClean="0"/>
-              <a:t>Will discuss </a:t>
-            </a:r>
-            <a:r>
-              <a:rPr lang="en-US" smtClean="0"/>
-              <a:t>further in lab</a:t>
-            </a:r>
-            <a:endParaRPr lang="en-US" dirty="0" smtClean="0"/>
-          </a:p>
-          <a:p>
-            <a:endParaRPr lang="en-US" dirty="0"/>
-          </a:p>
-        </p:txBody>
-      </p:sp>
-    </p:spTree>
-    <p:extLst>
-      <p:ext uri="{BB962C8B-B14F-4D97-AF65-F5344CB8AC3E}">
-        <p14:creationId xmlns:p14="http://schemas.microsoft.com/office/powerpoint/2010/main" val="741595167"/>
+        <p14:creationId xmlns:p14="http://schemas.microsoft.com/office/powerpoint/2010/main" val="2239698600"/>
       </p:ext>
     </p:extLst>
   </p:cSld>
@@ -7577,80 +7880,6 @@
         </p:nvSpPr>
         <p:spPr/>
         <p:txBody>
-          <a:bodyPr>
-            <a:normAutofit fontScale="90000"/>
-          </a:bodyPr>
-          <a:lstStyle/>
-          <a:p>
-            <a:r>
-              <a:rPr lang="en-US" dirty="0" smtClean="0"/>
-              <a:t>A way of generalizing provenance</a:t>
-            </a:r>
-            <a:endParaRPr lang="en-US" dirty="0"/>
-          </a:p>
-        </p:txBody>
-      </p:sp>
-      <p:sp>
-        <p:nvSpPr>
-          <p:cNvPr id="3" name="Content Placeholder 2"/>
-          <p:cNvSpPr>
-            <a:spLocks noGrp="1"/>
-          </p:cNvSpPr>
-          <p:nvPr>
-            <p:ph idx="1"/>
-          </p:nvPr>
-        </p:nvSpPr>
-        <p:spPr/>
-        <p:txBody>
-          <a:bodyPr/>
-          <a:lstStyle/>
-          <a:p>
-            <a:endParaRPr lang="en-US" dirty="0"/>
-          </a:p>
-        </p:txBody>
-      </p:sp>
-    </p:spTree>
-    <p:extLst>
-      <p:ext uri="{BB962C8B-B14F-4D97-AF65-F5344CB8AC3E}">
-        <p14:creationId xmlns:p14="http://schemas.microsoft.com/office/powerpoint/2010/main" val="2239698600"/>
-      </p:ext>
-    </p:extLst>
-  </p:cSld>
-  <p:clrMapOvr>
-    <a:masterClrMapping/>
-  </p:clrMapOvr>
-</p:sld>
-</file>
-
-<file path=ppt/slides/slide5.xml><?xml version="1.0" encoding="utf-8"?>
-<p:sld xmlns:a="http://schemas.openxmlformats.org/drawingml/2006/main" xmlns:r="http://schemas.openxmlformats.org/officeDocument/2006/relationships" xmlns:p="http://schemas.openxmlformats.org/presentationml/2006/main">
-  <p:cSld>
-    <p:spTree>
-      <p:nvGrpSpPr>
-        <p:cNvPr id="1" name=""/>
-        <p:cNvGrpSpPr/>
-        <p:nvPr/>
-      </p:nvGrpSpPr>
-      <p:grpSpPr>
-        <a:xfrm>
-          <a:off x="0" y="0"/>
-          <a:ext cx="0" cy="0"/>
-          <a:chOff x="0" y="0"/>
-          <a:chExt cx="0" cy="0"/>
-        </a:xfrm>
-      </p:grpSpPr>
-      <p:sp>
-        <p:nvSpPr>
-          <p:cNvPr id="2" name="Title 1"/>
-          <p:cNvSpPr>
-            <a:spLocks noGrp="1"/>
-          </p:cNvSpPr>
-          <p:nvPr>
-            <p:ph type="title"/>
-          </p:nvPr>
-        </p:nvSpPr>
-        <p:spPr/>
-        <p:txBody>
           <a:bodyPr/>
           <a:lstStyle/>
           <a:p>
@@ -7705,7 +7934,7 @@
 </p:sld>
 </file>
 
-<file path=ppt/slides/slide6.xml><?xml version="1.0" encoding="utf-8"?>
+<file path=ppt/slides/slide5.xml><?xml version="1.0" encoding="utf-8"?>
 <p:sld xmlns:a="http://schemas.openxmlformats.org/drawingml/2006/main" xmlns:r="http://schemas.openxmlformats.org/officeDocument/2006/relationships" xmlns:p="http://schemas.openxmlformats.org/presentationml/2006/main">
   <p:cSld>
     <p:spTree>
@@ -7802,6 +8031,149 @@
 </p:sld>
 </file>
 
+<file path=ppt/slides/slide6.xml><?xml version="1.0" encoding="utf-8"?>
+<p:sld xmlns:a="http://schemas.openxmlformats.org/drawingml/2006/main" xmlns:r="http://schemas.openxmlformats.org/officeDocument/2006/relationships" xmlns:p="http://schemas.openxmlformats.org/presentationml/2006/main">
+  <p:cSld>
+    <p:spTree>
+      <p:nvGrpSpPr>
+        <p:cNvPr id="1" name=""/>
+        <p:cNvGrpSpPr/>
+        <p:nvPr/>
+      </p:nvGrpSpPr>
+      <p:grpSpPr>
+        <a:xfrm>
+          <a:off x="0" y="0"/>
+          <a:ext cx="0" cy="0"/>
+          <a:chOff x="0" y="0"/>
+          <a:chExt cx="0" cy="0"/>
+        </a:xfrm>
+      </p:grpSpPr>
+      <p:sp>
+        <p:nvSpPr>
+          <p:cNvPr id="2" name="Title 1"/>
+          <p:cNvSpPr>
+            <a:spLocks noGrp="1"/>
+          </p:cNvSpPr>
+          <p:nvPr>
+            <p:ph type="title"/>
+          </p:nvPr>
+        </p:nvSpPr>
+        <p:spPr/>
+        <p:txBody>
+          <a:bodyPr>
+            <a:normAutofit/>
+          </a:bodyPr>
+          <a:lstStyle/>
+          <a:p>
+            <a:r>
+              <a:rPr lang="en-US" dirty="0" smtClean="0"/>
+              <a:t>OAIS Reference Model	</a:t>
+            </a:r>
+            <a:endParaRPr lang="en-US" dirty="0"/>
+          </a:p>
+        </p:txBody>
+      </p:sp>
+      <p:sp>
+        <p:nvSpPr>
+          <p:cNvPr id="3" name="Content Placeholder 2"/>
+          <p:cNvSpPr>
+            <a:spLocks noGrp="1"/>
+          </p:cNvSpPr>
+          <p:nvPr>
+            <p:ph idx="1"/>
+          </p:nvPr>
+        </p:nvSpPr>
+        <p:spPr/>
+        <p:txBody>
+          <a:bodyPr>
+            <a:normAutofit/>
+          </a:bodyPr>
+          <a:lstStyle/>
+          <a:p>
+            <a:r>
+              <a:rPr lang="en-US" dirty="0" smtClean="0"/>
+              <a:t>ISO 14721:2003</a:t>
+            </a:r>
+          </a:p>
+          <a:p>
+            <a:pPr lvl="1"/>
+            <a:r>
+              <a:rPr lang="en-US" dirty="0" smtClean="0"/>
+              <a:t>conceptual </a:t>
+            </a:r>
+            <a:r>
+              <a:rPr lang="en-US" dirty="0"/>
+              <a:t>framework </a:t>
+            </a:r>
+            <a:r>
+              <a:rPr lang="en-US" dirty="0" smtClean="0"/>
+              <a:t>of a </a:t>
+            </a:r>
+            <a:r>
+              <a:rPr lang="en-US" dirty="0"/>
+              <a:t>preservation system</a:t>
+            </a:r>
+          </a:p>
+          <a:p>
+            <a:pPr lvl="1"/>
+            <a:r>
+              <a:rPr lang="en-US" dirty="0" smtClean="0"/>
+              <a:t>accommodates both digital and analog data</a:t>
+            </a:r>
+          </a:p>
+          <a:p>
+            <a:pPr lvl="1"/>
+            <a:r>
+              <a:rPr lang="en-US" dirty="0" smtClean="0"/>
+              <a:t>Prioritizes information for a ‘designated community’</a:t>
+            </a:r>
+          </a:p>
+          <a:p>
+            <a:r>
+              <a:rPr lang="en-US" dirty="0"/>
+              <a:t>A </a:t>
+            </a:r>
+            <a:r>
+              <a:rPr lang="en-US" dirty="0" smtClean="0"/>
+              <a:t>vocabulary </a:t>
+            </a:r>
+            <a:r>
+              <a:rPr lang="en-US" dirty="0"/>
+              <a:t>of </a:t>
+            </a:r>
+            <a:r>
+              <a:rPr lang="en-US" dirty="0" smtClean="0"/>
+              <a:t>“terms </a:t>
+            </a:r>
+            <a:r>
+              <a:rPr lang="en-US" dirty="0"/>
+              <a:t>that are not already overloaded with meaning so as to reduce conveying unintended </a:t>
+            </a:r>
+            <a:r>
+              <a:rPr lang="en-US" dirty="0" smtClean="0"/>
+              <a:t>meanings”</a:t>
+            </a:r>
+            <a:endParaRPr lang="en-US" dirty="0"/>
+          </a:p>
+          <a:p>
+            <a:pPr lvl="1"/>
+            <a:endParaRPr lang="en-US" dirty="0"/>
+          </a:p>
+        </p:txBody>
+      </p:sp>
+    </p:spTree>
+    <p:extLst>
+      <p:ext uri="{BB962C8B-B14F-4D97-AF65-F5344CB8AC3E}">
+        <p14:creationId xmlns:p14="http://schemas.microsoft.com/office/powerpoint/2010/main" val="1963077821"/>
+      </p:ext>
+    </p:extLst>
+  </p:cSld>
+  <p:clrMapOvr>
+    <a:masterClrMapping/>
+  </p:clrMapOvr>
+</p:sld>
+</file>
+
 <file path=ppt/slides/slide7.xml><?xml version="1.0" encoding="utf-8"?>
 <p:sld xmlns:a="http://schemas.openxmlformats.org/drawingml/2006/main" xmlns:r="http://schemas.openxmlformats.org/officeDocument/2006/relationships" xmlns:p="http://schemas.openxmlformats.org/presentationml/2006/main">
   <p:cSld>
@@ -7831,111 +8203,45 @@
         </p:nvSpPr>
         <p:spPr/>
         <p:txBody>
-          <a:bodyPr>
-            <a:normAutofit/>
-          </a:bodyPr>
+          <a:bodyPr/>
           <a:lstStyle/>
           <a:p>
             <a:r>
               <a:rPr lang="en-US" dirty="0" smtClean="0"/>
-              <a:t>OAIS Reference Model	</a:t>
+              <a:t>OAIS Reference Model</a:t>
             </a:r>
             <a:endParaRPr lang="en-US" dirty="0"/>
           </a:p>
         </p:txBody>
       </p:sp>
-      <p:sp>
-        <p:nvSpPr>
-          <p:cNvPr id="3" name="Content Placeholder 2"/>
-          <p:cNvSpPr>
-            <a:spLocks noGrp="1"/>
-          </p:cNvSpPr>
+      <p:pic>
+        <p:nvPicPr>
+          <p:cNvPr id="4" name="Content Placeholder 3"/>
+          <p:cNvPicPr>
+            <a:picLocks noGrp="1" noChangeAspect="1"/>
+          </p:cNvPicPr>
           <p:nvPr>
             <p:ph idx="1"/>
           </p:nvPr>
-        </p:nvSpPr>
-        <p:spPr/>
-        <p:txBody>
-          <a:bodyPr>
-            <a:normAutofit/>
-          </a:bodyPr>
-          <a:lstStyle/>
-          <a:p>
-            <a:r>
-              <a:rPr lang="en-US" dirty="0" smtClean="0"/>
-              <a:t>ISO 14721:2003</a:t>
-            </a:r>
-          </a:p>
-          <a:p>
-            <a:pPr lvl="1"/>
-            <a:r>
-              <a:rPr lang="en-US" dirty="0" smtClean="0"/>
-              <a:t>conceptual </a:t>
-            </a:r>
-            <a:r>
-              <a:rPr lang="en-US" dirty="0"/>
-              <a:t>framework </a:t>
-            </a:r>
-            <a:r>
-              <a:rPr lang="en-US" dirty="0" smtClean="0"/>
-              <a:t>of a </a:t>
-            </a:r>
-            <a:r>
-              <a:rPr lang="en-US" dirty="0"/>
-              <a:t>preservation system</a:t>
-            </a:r>
-          </a:p>
-          <a:p>
-            <a:pPr lvl="1"/>
-            <a:r>
-              <a:rPr lang="en-US" dirty="0" smtClean="0"/>
-              <a:t>accommodates both digital and analog data</a:t>
-            </a:r>
-          </a:p>
-          <a:p>
-            <a:pPr lvl="1"/>
-            <a:r>
-              <a:rPr lang="en-US" dirty="0" smtClean="0"/>
-              <a:t>Prioritizes information for a ‘designated community’</a:t>
-            </a:r>
-          </a:p>
-          <a:p>
-            <a:r>
-              <a:rPr lang="en-US" dirty="0"/>
-              <a:t>A </a:t>
-            </a:r>
-            <a:r>
-              <a:rPr lang="en-US" dirty="0" smtClean="0"/>
-              <a:t>vocabulary </a:t>
-            </a:r>
-            <a:r>
-              <a:rPr lang="en-US" dirty="0"/>
-              <a:t>of </a:t>
-            </a:r>
-            <a:r>
-              <a:rPr lang="en-US" dirty="0" smtClean="0"/>
-              <a:t>“terms </a:t>
-            </a:r>
-            <a:r>
-              <a:rPr lang="en-US" dirty="0"/>
-              <a:t>that are not already overloaded with meaning so as to reduce conveying unintended </a:t>
-            </a:r>
-            <a:r>
-              <a:rPr lang="en-US" dirty="0" smtClean="0"/>
-              <a:t>meanings”</a:t>
-            </a:r>
-            <a:endParaRPr lang="en-US" dirty="0"/>
-          </a:p>
-          <a:p>
-            <a:pPr lvl="1"/>
-            <a:endParaRPr lang="en-US" dirty="0"/>
-          </a:p>
-        </p:txBody>
-      </p:sp>
+        </p:nvPicPr>
+        <p:blipFill>
+          <a:blip r:embed="rId3"/>
+          <a:srcRect l="702" r="702"/>
+          <a:stretch>
+            <a:fillRect/>
+          </a:stretch>
+        </p:blipFill>
+        <p:spPr>
+          <a:xfrm>
+            <a:off x="1144494" y="1600201"/>
+            <a:ext cx="7103035" cy="3906396"/>
+          </a:xfrm>
+        </p:spPr>
+      </p:pic>
     </p:spTree>
     <p:extLst>
       <p:ext uri="{BB962C8B-B14F-4D97-AF65-F5344CB8AC3E}">
-        <p14:creationId xmlns:p14="http://schemas.microsoft.com/office/powerpoint/2010/main" val="1963077821"/>
+        <p14:creationId xmlns:p14="http://schemas.microsoft.com/office/powerpoint/2010/main" val="1107453147"/>
       </p:ext>
     </p:extLst>
   </p:cSld>
@@ -7979,40 +8285,85 @@
           <a:p>
             <a:r>
               <a:rPr lang="en-US" dirty="0" smtClean="0"/>
-              <a:t>OAIS Reference Model</a:t>
+              <a:t>OAIS Reference Model	</a:t>
             </a:r>
             <a:endParaRPr lang="en-US" dirty="0"/>
           </a:p>
         </p:txBody>
       </p:sp>
-      <p:pic>
-        <p:nvPicPr>
-          <p:cNvPr id="4" name="Content Placeholder 3"/>
-          <p:cNvPicPr>
-            <a:picLocks noGrp="1" noChangeAspect="1"/>
-          </p:cNvPicPr>
+      <p:sp>
+        <p:nvSpPr>
+          <p:cNvPr id="3" name="Content Placeholder 2"/>
+          <p:cNvSpPr>
+            <a:spLocks noGrp="1"/>
+          </p:cNvSpPr>
           <p:nvPr>
             <p:ph idx="1"/>
           </p:nvPr>
-        </p:nvPicPr>
-        <p:blipFill>
-          <a:blip r:embed="rId2"/>
-          <a:srcRect l="702" r="702"/>
-          <a:stretch>
-            <a:fillRect/>
-          </a:stretch>
-        </p:blipFill>
-        <p:spPr>
-          <a:xfrm>
-            <a:off x="1144494" y="1600201"/>
-            <a:ext cx="7103035" cy="3906396"/>
-          </a:xfrm>
-        </p:spPr>
-      </p:pic>
+        </p:nvSpPr>
+        <p:spPr/>
+        <p:txBody>
+          <a:bodyPr/>
+          <a:lstStyle/>
+          <a:p>
+            <a:r>
+              <a:rPr lang="en-US" dirty="0" smtClean="0"/>
+              <a:t>Pros: </a:t>
+            </a:r>
+          </a:p>
+          <a:p>
+            <a:pPr lvl="1"/>
+            <a:r>
+              <a:rPr lang="en-US" dirty="0" smtClean="0"/>
+              <a:t>Good high-level model of preservation system</a:t>
+            </a:r>
+          </a:p>
+          <a:p>
+            <a:pPr lvl="1"/>
+            <a:r>
+              <a:rPr lang="en-US" dirty="0" smtClean="0"/>
+              <a:t>Adopted by a range of institutions</a:t>
+            </a:r>
+          </a:p>
+          <a:p>
+            <a:pPr lvl="1"/>
+            <a:r>
+              <a:rPr lang="en-US" dirty="0" smtClean="0"/>
+              <a:t>Common terminology</a:t>
+            </a:r>
+          </a:p>
+          <a:p>
+            <a:pPr lvl="1"/>
+            <a:r>
+              <a:rPr lang="en-US" dirty="0" smtClean="0"/>
+              <a:t>very library/archives oriented</a:t>
+            </a:r>
+          </a:p>
+          <a:p>
+            <a:pPr lvl="1"/>
+            <a:r>
+              <a:rPr lang="en-US" dirty="0" smtClean="0"/>
+              <a:t>Concentrating on the needs of a “designated community” can help focus curatorial goals and </a:t>
+            </a:r>
+            <a:r>
+              <a:rPr lang="en-US" dirty="0" err="1" smtClean="0"/>
+              <a:t>priortities</a:t>
+            </a:r>
+            <a:endParaRPr lang="en-US" dirty="0" smtClean="0"/>
+          </a:p>
+          <a:p>
+            <a:pPr lvl="1"/>
+            <a:endParaRPr lang="en-US" dirty="0" smtClean="0"/>
+          </a:p>
+          <a:p>
+            <a:endParaRPr lang="en-US" dirty="0"/>
+          </a:p>
+        </p:txBody>
+      </p:sp>
     </p:spTree>
     <p:extLst>
       <p:ext uri="{BB962C8B-B14F-4D97-AF65-F5344CB8AC3E}">
-        <p14:creationId xmlns:p14="http://schemas.microsoft.com/office/powerpoint/2010/main" val="1107453147"/>
+        <p14:creationId xmlns:p14="http://schemas.microsoft.com/office/powerpoint/2010/main" val="642430859"/>
       </p:ext>
     </p:extLst>
   </p:cSld>
@@ -8056,7 +8407,7 @@
           <a:p>
             <a:r>
               <a:rPr lang="en-US" dirty="0" smtClean="0"/>
-              <a:t>OAIS terminology</a:t>
+              <a:t>OAIS Reference Model	</a:t>
             </a:r>
             <a:endParaRPr lang="en-US" dirty="0"/>
           </a:p>
@@ -8074,40 +8425,40 @@
         </p:nvSpPr>
         <p:spPr/>
         <p:txBody>
-          <a:bodyPr>
-            <a:normAutofit/>
-          </a:bodyPr>
+          <a:bodyPr/>
           <a:lstStyle/>
           <a:p>
             <a:r>
               <a:rPr lang="en-US" dirty="0" smtClean="0"/>
-              <a:t>SIP: Submission information package</a:t>
-            </a:r>
-          </a:p>
-          <a:p>
+              <a:t>Cons: </a:t>
+            </a:r>
+          </a:p>
+          <a:p>
+            <a:pPr lvl="1"/>
             <a:r>
               <a:rPr lang="en-US" dirty="0" smtClean="0"/>
-              <a:t>AIP: Archival information package</a:t>
-            </a:r>
-          </a:p>
-          <a:p>
+              <a:t>What if your “designated community” is very broad? (e.g. an entire university)</a:t>
+            </a:r>
+          </a:p>
+          <a:p>
+            <a:pPr lvl="1"/>
             <a:r>
               <a:rPr lang="en-US" dirty="0" smtClean="0"/>
-              <a:t>DIP: Dissemination information package</a:t>
-            </a:r>
-          </a:p>
-          <a:p>
+              <a:t>Does not provide any guidelines about what should be contained in an SIP</a:t>
+            </a:r>
+          </a:p>
+          <a:p>
+            <a:pPr lvl="1"/>
             <a:r>
               <a:rPr lang="en-US" dirty="0" smtClean="0"/>
-              <a:t>Functional Entities: </a:t>
+              <a:t>Does not provide insight into data creation/management before creation of SIP</a:t>
             </a:r>
           </a:p>
           <a:p>
             <a:pPr lvl="1"/>
-            <a:r>
-              <a:rPr lang="en-US" dirty="0" smtClean="0"/>
-              <a:t>Ingest; Archival Storage; Data management; Administration; Access</a:t>
-            </a:r>
+            <a:endParaRPr lang="en-US" dirty="0" smtClean="0"/>
+          </a:p>
+          <a:p>
             <a:endParaRPr lang="en-US" dirty="0"/>
           </a:p>
         </p:txBody>
@@ -8115,7 +8466,7 @@
     </p:spTree>
     <p:extLst>
       <p:ext uri="{BB962C8B-B14F-4D97-AF65-F5344CB8AC3E}">
-        <p14:creationId xmlns:p14="http://schemas.microsoft.com/office/powerpoint/2010/main" val="1264878912"/>
+        <p14:creationId xmlns:p14="http://schemas.microsoft.com/office/powerpoint/2010/main" val="320222291"/>
       </p:ext>
     </p:extLst>
   </p:cSld>
